--- a/Session 1.pptx
+++ b/Session 1.pptx
@@ -8,22 +8,29 @@
     <p:sldId id="256" r:id="rId2"/>
     <p:sldId id="257" r:id="rId3"/>
     <p:sldId id="258" r:id="rId4"/>
-    <p:sldId id="260" r:id="rId5"/>
-    <p:sldId id="261" r:id="rId6"/>
-    <p:sldId id="262" r:id="rId7"/>
-    <p:sldId id="263" r:id="rId8"/>
-    <p:sldId id="264" r:id="rId9"/>
-    <p:sldId id="265" r:id="rId10"/>
-    <p:sldId id="266" r:id="rId11"/>
-    <p:sldId id="267" r:id="rId12"/>
-    <p:sldId id="268" r:id="rId13"/>
-    <p:sldId id="269" r:id="rId14"/>
-    <p:sldId id="270" r:id="rId15"/>
-    <p:sldId id="271" r:id="rId16"/>
-    <p:sldId id="272" r:id="rId17"/>
-    <p:sldId id="273" r:id="rId18"/>
-    <p:sldId id="274" r:id="rId19"/>
-    <p:sldId id="275" r:id="rId20"/>
+    <p:sldId id="277" r:id="rId5"/>
+    <p:sldId id="278" r:id="rId6"/>
+    <p:sldId id="260" r:id="rId7"/>
+    <p:sldId id="261" r:id="rId8"/>
+    <p:sldId id="262" r:id="rId9"/>
+    <p:sldId id="263" r:id="rId10"/>
+    <p:sldId id="264" r:id="rId11"/>
+    <p:sldId id="265" r:id="rId12"/>
+    <p:sldId id="266" r:id="rId13"/>
+    <p:sldId id="279" r:id="rId14"/>
+    <p:sldId id="267" r:id="rId15"/>
+    <p:sldId id="268" r:id="rId16"/>
+    <p:sldId id="269" r:id="rId17"/>
+    <p:sldId id="270" r:id="rId18"/>
+    <p:sldId id="271" r:id="rId19"/>
+    <p:sldId id="272" r:id="rId20"/>
+    <p:sldId id="273" r:id="rId21"/>
+    <p:sldId id="274" r:id="rId22"/>
+    <p:sldId id="275" r:id="rId23"/>
+    <p:sldId id="276" r:id="rId24"/>
+    <p:sldId id="280" r:id="rId25"/>
+    <p:sldId id="281" r:id="rId26"/>
+    <p:sldId id="282" r:id="rId27"/>
   </p:sldIdLst>
   <p:sldSz cx="12192000" cy="6858000"/>
   <p:notesSz cx="6858000" cy="9144000"/>
@@ -3414,12 +3421,6 @@
               <a:t>Clinical Assistant Professor of Real Estate</a:t>
             </a:r>
           </a:p>
-          <a:p>
-            <a:r>
-              <a:rPr lang="en-US" dirty="0"/>
-              <a:t>Data Science Advisor, CBRE Econometric Advisors</a:t>
-            </a:r>
-          </a:p>
         </p:txBody>
       </p:sp>
     </p:spTree>
@@ -3457,7 +3458,7 @@
           <p:cNvPr id="2" name="Title 1">
             <a:extLst>
               <a:ext uri="{FF2B5EF4-FFF2-40B4-BE49-F238E27FC236}">
-                <a16:creationId xmlns:a16="http://schemas.microsoft.com/office/drawing/2014/main" id="{8709B6F2-3157-9F4F-8D36-DEE2C2796FA7}"/>
+                <a16:creationId xmlns:a16="http://schemas.microsoft.com/office/drawing/2014/main" id="{EC6F9BFB-3A72-E14F-B226-2B73D80E8E19}"/>
               </a:ext>
             </a:extLst>
           </p:cNvPr>
@@ -3475,7 +3476,7 @@
           <a:p>
             <a:r>
               <a:rPr lang="en-US" dirty="0"/>
-              <a:t>Operationalizing the Concepts of Probability</a:t>
+              <a:t>Axioms of Probability</a:t>
             </a:r>
           </a:p>
         </p:txBody>
@@ -3485,7 +3486,7 @@
           <p:cNvPr id="3" name="Content Placeholder 2">
             <a:extLst>
               <a:ext uri="{FF2B5EF4-FFF2-40B4-BE49-F238E27FC236}">
-                <a16:creationId xmlns:a16="http://schemas.microsoft.com/office/drawing/2014/main" id="{2F1E0428-8256-F745-B6AB-229B7B590B02}"/>
+                <a16:creationId xmlns:a16="http://schemas.microsoft.com/office/drawing/2014/main" id="{8B5FC709-149F-2243-8F84-9B28C09577D2}"/>
               </a:ext>
             </a:extLst>
           </p:cNvPr>
@@ -3499,84 +3500,169 @@
         <p:spPr/>
         <p:txBody>
           <a:bodyPr>
-            <a:normAutofit/>
+            <a:normAutofit lnSpcReduction="10000"/>
           </a:bodyPr>
           <a:lstStyle/>
           <a:p>
             <a:r>
-              <a:rPr lang="en-US" dirty="0"/>
-              <a:t>We operationalize the concepts of probability using </a:t>
-            </a:r>
-            <a:r>
-              <a:rPr lang="en-US" b="1" dirty="0"/>
-              <a:t>random variables (RVs)</a:t>
-            </a:r>
-            <a:r>
-              <a:rPr lang="en-US" dirty="0"/>
-              <a:t>.</a:t>
+              <a:rPr lang="en-US" dirty="0" err="1"/>
+              <a:t>Pr</a:t>
+            </a:r>
+            <a:r>
+              <a:rPr lang="en-US" dirty="0"/>
+              <a:t>(E) is bounded between 0 and 1 (or 0 and 100%).</a:t>
+            </a:r>
+          </a:p>
+          <a:p>
+            <a:r>
+              <a:rPr lang="en-US" dirty="0" err="1"/>
+              <a:t>Pr</a:t>
+            </a:r>
+            <a:r>
+              <a:rPr lang="en-US" dirty="0"/>
+              <a:t>(</a:t>
+            </a:r>
+            <a:r>
+              <a:rPr lang="el-GR" dirty="0"/>
+              <a:t>Ω</a:t>
+            </a:r>
+            <a:r>
+              <a:rPr lang="en-US" dirty="0"/>
+              <a:t>) = 1 by definition.</a:t>
+            </a:r>
+          </a:p>
+          <a:p>
+            <a:r>
+              <a:rPr lang="en-US" dirty="0"/>
+              <a:t>If E and F are independent events, </a:t>
+            </a:r>
+            <a:r>
+              <a:rPr lang="en-US" dirty="0" err="1"/>
+              <a:t>Pr</a:t>
+            </a:r>
+            <a:r>
+              <a:rPr lang="en-US" dirty="0"/>
+              <a:t>(E ∪ F) = </a:t>
+            </a:r>
+            <a:r>
+              <a:rPr lang="en-US" dirty="0" err="1"/>
+              <a:t>Pr</a:t>
+            </a:r>
+            <a:r>
+              <a:rPr lang="en-US" dirty="0"/>
+              <a:t>(E) + </a:t>
+            </a:r>
+            <a:r>
+              <a:rPr lang="en-US" dirty="0" err="1"/>
+              <a:t>Pr</a:t>
+            </a:r>
+            <a:r>
+              <a:rPr lang="en-US" dirty="0"/>
+              <a:t>(F).</a:t>
+            </a:r>
+          </a:p>
+          <a:p>
+            <a:r>
+              <a:rPr lang="en-US" dirty="0"/>
+              <a:t>Hence:</a:t>
             </a:r>
           </a:p>
           <a:p>
             <a:pPr lvl="1"/>
             <a:r>
-              <a:rPr lang="en-US" b="1" dirty="0"/>
-              <a:t>Discrete</a:t>
-            </a:r>
-            <a:r>
-              <a:rPr lang="en-US" dirty="0"/>
-              <a:t>: number of building sales in 2018.</a:t>
+              <a:rPr lang="en-US" dirty="0" err="1"/>
+              <a:t>Pr</a:t>
+            </a:r>
+            <a:r>
+              <a:rPr lang="en-US" dirty="0"/>
+              <a:t>(E</a:t>
+            </a:r>
+            <a:r>
+              <a:rPr lang="en-US" baseline="30000" dirty="0"/>
+              <a:t>C</a:t>
+            </a:r>
+            <a:r>
+              <a:rPr lang="en-US" dirty="0"/>
+              <a:t>) = 1 – </a:t>
+            </a:r>
+            <a:r>
+              <a:rPr lang="en-US" dirty="0" err="1"/>
+              <a:t>Pr</a:t>
+            </a:r>
+            <a:r>
+              <a:rPr lang="en-US" dirty="0"/>
+              <a:t>(E)</a:t>
             </a:r>
           </a:p>
           <a:p>
             <a:pPr lvl="1"/>
             <a:r>
-              <a:rPr lang="en-US" dirty="0"/>
-              <a:t> </a:t>
-            </a:r>
-            <a:r>
-              <a:rPr lang="en-US" b="1" dirty="0"/>
-              <a:t>Continuous:</a:t>
-            </a:r>
-            <a:r>
-              <a:rPr lang="en-US" dirty="0"/>
-              <a:t> prices of building sales in 2019.  </a:t>
+              <a:rPr lang="en-US" dirty="0" err="1"/>
+              <a:t>Pr</a:t>
+            </a:r>
+            <a:r>
+              <a:rPr lang="en-US" dirty="0"/>
+              <a:t>(E ∪ F) = </a:t>
+            </a:r>
+            <a:r>
+              <a:rPr lang="en-US" dirty="0" err="1"/>
+              <a:t>Pr</a:t>
+            </a:r>
+            <a:r>
+              <a:rPr lang="en-US" dirty="0"/>
+              <a:t>(E) + </a:t>
+            </a:r>
+            <a:r>
+              <a:rPr lang="en-US" dirty="0" err="1"/>
+              <a:t>Pr</a:t>
+            </a:r>
+            <a:r>
+              <a:rPr lang="en-US" dirty="0"/>
+              <a:t>(F) - </a:t>
+            </a:r>
+            <a:r>
+              <a:rPr lang="en-US" dirty="0" err="1"/>
+              <a:t>Pr</a:t>
+            </a:r>
+            <a:r>
+              <a:rPr lang="en-US" dirty="0"/>
+              <a:t>(E ∩ F)</a:t>
             </a:r>
           </a:p>
           <a:p>
             <a:pPr lvl="1"/>
             <a:r>
               <a:rPr lang="en-US" dirty="0"/>
-              <a:t>Examine important characteristics (moments) such as mean, variance (standard error), and correlation (when we have more than one RV).</a:t>
-            </a:r>
-          </a:p>
-          <a:p>
-            <a:r>
-              <a:rPr lang="en-US" dirty="0"/>
-              <a:t>Remember: </a:t>
-            </a:r>
-            <a:r>
-              <a:rPr lang="en-US" i="1" dirty="0"/>
-              <a:t>We do not observe the RVs</a:t>
-            </a:r>
-            <a:r>
-              <a:rPr lang="en-US" dirty="0"/>
-              <a:t>.  We observe </a:t>
-            </a:r>
-            <a:r>
-              <a:rPr lang="en-US" b="1" dirty="0"/>
-              <a:t>realizations</a:t>
-            </a:r>
-            <a:r>
-              <a:rPr lang="en-US" dirty="0"/>
-              <a:t> of the RVs that we call </a:t>
-            </a:r>
-            <a:r>
-              <a:rPr lang="en-US" b="1" dirty="0"/>
-              <a:t>data</a:t>
-            </a:r>
-            <a:r>
-              <a:rPr lang="en-US" dirty="0"/>
-              <a:t>. </a:t>
+              <a:t>If E ⊂ F, </a:t>
+            </a:r>
+            <a:r>
+              <a:rPr lang="en-US" dirty="0" err="1"/>
+              <a:t>Pr</a:t>
+            </a:r>
+            <a:r>
+              <a:rPr lang="en-US" dirty="0"/>
+              <a:t>(E) ≤ </a:t>
+            </a:r>
+            <a:r>
+              <a:rPr lang="en-US" dirty="0" err="1"/>
+              <a:t>Pr</a:t>
+            </a:r>
+            <a:r>
+              <a:rPr lang="en-US" dirty="0"/>
+              <a:t>(F).</a:t>
+            </a:r>
+          </a:p>
+          <a:p>
+            <a:r>
+              <a:rPr lang="en-US" dirty="0"/>
+              <a:t>A simple example.</a:t>
+            </a:r>
+          </a:p>
+          <a:p>
+            <a:pPr lvl="1"/>
+            <a:r>
+              <a:rPr lang="en-US" dirty="0"/>
+              <a:t>Suppose a Schack classroom has M students.  What is the probability at least two of them have the same birthdays?  (R example.)</a:t>
             </a:r>
           </a:p>
         </p:txBody>
@@ -3584,7 +3670,7 @@
     </p:spTree>
     <p:extLst>
       <p:ext uri="{BB962C8B-B14F-4D97-AF65-F5344CB8AC3E}">
-        <p14:creationId xmlns:p14="http://schemas.microsoft.com/office/powerpoint/2010/main" val="284964730"/>
+        <p14:creationId xmlns:p14="http://schemas.microsoft.com/office/powerpoint/2010/main" val="2585261456"/>
       </p:ext>
     </p:extLst>
   </p:cSld>
@@ -3616,7 +3702,7 @@
           <p:cNvPr id="2" name="Title 1">
             <a:extLst>
               <a:ext uri="{FF2B5EF4-FFF2-40B4-BE49-F238E27FC236}">
-                <a16:creationId xmlns:a16="http://schemas.microsoft.com/office/drawing/2014/main" id="{99766E76-59AC-7C46-ADC1-39435BD387AC}"/>
+                <a16:creationId xmlns:a16="http://schemas.microsoft.com/office/drawing/2014/main" id="{3D3B6717-F745-1141-B46E-89C2A33435AA}"/>
               </a:ext>
             </a:extLst>
           </p:cNvPr>
@@ -3634,7 +3720,7 @@
           <a:p>
             <a:r>
               <a:rPr lang="en-US" dirty="0"/>
-              <a:t>An Example</a:t>
+              <a:t>Conditional Probability</a:t>
             </a:r>
           </a:p>
         </p:txBody>
@@ -3644,7 +3730,7 @@
           <p:cNvPr id="3" name="Content Placeholder 2">
             <a:extLst>
               <a:ext uri="{FF2B5EF4-FFF2-40B4-BE49-F238E27FC236}">
-                <a16:creationId xmlns:a16="http://schemas.microsoft.com/office/drawing/2014/main" id="{2768D066-B314-444B-B1AE-CB6736016CC8}"/>
+                <a16:creationId xmlns:a16="http://schemas.microsoft.com/office/drawing/2014/main" id="{C4E942C5-218A-5C44-9B7A-E03CB18CEE8D}"/>
               </a:ext>
             </a:extLst>
           </p:cNvPr>
@@ -3662,26 +3748,75 @@
           <a:p>
             <a:r>
               <a:rPr lang="en-US" dirty="0"/>
-              <a:t>Consider the experiment of flipping a coin five times.  The RV is the sum of flips that were heads.</a:t>
-            </a:r>
-          </a:p>
-          <a:p>
-            <a:r>
-              <a:rPr lang="en-US" dirty="0"/>
-              <a:t>We summarize using Probability Density Functions (PDFs) and Cumulative Density Functions (CDFs).  </a:t>
+              <a:t>Conditional probability lies at the heart of data analytics.</a:t>
+            </a:r>
+          </a:p>
+          <a:p>
+            <a:r>
+              <a:rPr lang="en-US" dirty="0"/>
+              <a:t>Regression, the heart of the class, is conditional probability.</a:t>
+            </a:r>
+          </a:p>
+          <a:p>
+            <a:r>
+              <a:rPr lang="en-US" dirty="0"/>
+              <a:t>Ask this </a:t>
+            </a:r>
+            <a:r>
+              <a:rPr lang="en-US" u="sng" dirty="0"/>
+              <a:t>simple question</a:t>
+            </a:r>
+            <a:r>
+              <a:rPr lang="en-US" dirty="0"/>
+              <a:t>: Given event E has occurred, what is the probability that event F occurs?</a:t>
             </a:r>
           </a:p>
           <a:p>
             <a:pPr lvl="1"/>
             <a:r>
-              <a:rPr lang="en-US" dirty="0"/>
-              <a:t>This is simple accounting.</a:t>
-            </a:r>
-          </a:p>
-          <a:p>
-            <a:r>
-              <a:rPr lang="en-US" dirty="0"/>
-              <a:t>From these we can determine many things: measures of central tendency.</a:t>
+              <a:rPr lang="en-US" dirty="0" err="1"/>
+              <a:t>Pr</a:t>
+            </a:r>
+            <a:r>
+              <a:rPr lang="en-US" dirty="0"/>
+              <a:t>(F | E) = </a:t>
+            </a:r>
+            <a:r>
+              <a:rPr lang="en-US" dirty="0" err="1"/>
+              <a:t>Pr</a:t>
+            </a:r>
+            <a:r>
+              <a:rPr lang="en-US" dirty="0"/>
+              <a:t>(F ∩ E) / </a:t>
+            </a:r>
+            <a:r>
+              <a:rPr lang="en-US" dirty="0" err="1"/>
+              <a:t>Pr</a:t>
+            </a:r>
+            <a:r>
+              <a:rPr lang="en-US" dirty="0"/>
+              <a:t>(E)</a:t>
+            </a:r>
+          </a:p>
+          <a:p>
+            <a:pPr lvl="1"/>
+            <a:r>
+              <a:rPr lang="en-US" dirty="0"/>
+              <a:t>Venn diagram?</a:t>
+            </a:r>
+          </a:p>
+          <a:p>
+            <a:pPr lvl="1"/>
+            <a:r>
+              <a:rPr lang="en-US" dirty="0"/>
+              <a:t>Roll two six-sided dice: Event F is sum of dice is 10.  Event E is the the first die is 5.  (R example.)</a:t>
+            </a:r>
+          </a:p>
+          <a:p>
+            <a:pPr lvl="1"/>
+            <a:r>
+              <a:rPr lang="en-US" dirty="0"/>
+              <a:t>Famous “Let’s Make a Deal” Paradox.  (R example.)</a:t>
             </a:r>
           </a:p>
         </p:txBody>
@@ -3689,7 +3824,7 @@
     </p:spTree>
     <p:extLst>
       <p:ext uri="{BB962C8B-B14F-4D97-AF65-F5344CB8AC3E}">
-        <p14:creationId xmlns:p14="http://schemas.microsoft.com/office/powerpoint/2010/main" val="3339583332"/>
+        <p14:creationId xmlns:p14="http://schemas.microsoft.com/office/powerpoint/2010/main" val="301753024"/>
       </p:ext>
     </p:extLst>
   </p:cSld>
@@ -3721,7 +3856,7 @@
           <p:cNvPr id="2" name="Title 1">
             <a:extLst>
               <a:ext uri="{FF2B5EF4-FFF2-40B4-BE49-F238E27FC236}">
-                <a16:creationId xmlns:a16="http://schemas.microsoft.com/office/drawing/2014/main" id="{48130D46-D989-744F-B424-052FCDEB49C0}"/>
+                <a16:creationId xmlns:a16="http://schemas.microsoft.com/office/drawing/2014/main" id="{8709B6F2-3157-9F4F-8D36-DEE2C2796FA7}"/>
               </a:ext>
             </a:extLst>
           </p:cNvPr>
@@ -3739,7 +3874,7 @@
           <a:p>
             <a:r>
               <a:rPr lang="en-US" dirty="0"/>
-              <a:t>Measures of Central Tendency</a:t>
+              <a:t>Operationalizing the Concepts of Probability</a:t>
             </a:r>
           </a:p>
         </p:txBody>
@@ -3749,7 +3884,7 @@
           <p:cNvPr id="3" name="Content Placeholder 2">
             <a:extLst>
               <a:ext uri="{FF2B5EF4-FFF2-40B4-BE49-F238E27FC236}">
-                <a16:creationId xmlns:a16="http://schemas.microsoft.com/office/drawing/2014/main" id="{44B44ACC-3888-DE42-A531-ED1958F420A6}"/>
+                <a16:creationId xmlns:a16="http://schemas.microsoft.com/office/drawing/2014/main" id="{2F1E0428-8256-F745-B6AB-229B7B590B02}"/>
               </a:ext>
             </a:extLst>
           </p:cNvPr>
@@ -3762,70 +3897,103 @@
         </p:nvSpPr>
         <p:spPr/>
         <p:txBody>
-          <a:bodyPr/>
-          <a:lstStyle/>
-          <a:p>
-            <a:r>
-              <a:rPr lang="en-US" dirty="0"/>
-              <a:t>Mean (or Average or Expectation): </a:t>
+          <a:bodyPr>
+            <a:normAutofit/>
+          </a:bodyPr>
+          <a:lstStyle/>
+          <a:p>
+            <a:r>
+              <a:rPr lang="en-US" dirty="0"/>
+              <a:t>We operationalize the concepts of probability using </a:t>
+            </a:r>
+            <a:r>
+              <a:rPr lang="en-US" b="1" dirty="0"/>
+              <a:t>random variables (RVs)</a:t>
+            </a:r>
+            <a:r>
+              <a:rPr lang="en-US" dirty="0"/>
+              <a:t>.</a:t>
             </a:r>
           </a:p>
           <a:p>
             <a:pPr lvl="1"/>
             <a:r>
-              <a:rPr lang="en-US" dirty="0"/>
-              <a:t>Sum of outcomes times their probability.</a:t>
+              <a:rPr lang="en-US" b="1" dirty="0"/>
+              <a:t>Discrete</a:t>
+            </a:r>
+            <a:r>
+              <a:rPr lang="en-US" dirty="0"/>
+              <a:t>: number of building sales in 2018.</a:t>
             </a:r>
           </a:p>
           <a:p>
             <a:pPr lvl="1"/>
             <a:r>
-              <a:rPr lang="en-US" dirty="0"/>
-              <a:t>E(a + b X) = a + b E(X)	</a:t>
-            </a:r>
-          </a:p>
-          <a:p>
-            <a:r>
-              <a:rPr lang="en-US" dirty="0"/>
-              <a:t>Variance (or Dispersion):</a:t>
+              <a:rPr lang="en-US" b="1" dirty="0"/>
+              <a:t>Continuous:</a:t>
+            </a:r>
+            <a:r>
+              <a:rPr lang="en-US" dirty="0"/>
+              <a:t> prices of building sales in 2019.  </a:t>
             </a:r>
           </a:p>
           <a:p>
             <a:pPr lvl="1"/>
             <a:r>
               <a:rPr lang="en-US" dirty="0"/>
-              <a:t>Squared deviations around the mean to measure dispersion of observed data.</a:t>
-            </a:r>
-          </a:p>
-          <a:p>
-            <a:pPr lvl="1"/>
-            <a:r>
-              <a:rPr lang="en-US" dirty="0"/>
-              <a:t>Var(a + b X) = b</a:t>
-            </a:r>
-            <a:r>
-              <a:rPr lang="en-US" baseline="30000" dirty="0"/>
-              <a:t>2</a:t>
-            </a:r>
-            <a:r>
-              <a:rPr lang="en-US" dirty="0"/>
-              <a:t> Var (X)</a:t>
-            </a:r>
-          </a:p>
-          <a:p>
-            <a:pPr lvl="1"/>
-            <a:endParaRPr lang="en-US" dirty="0"/>
-          </a:p>
-          <a:p>
-            <a:pPr lvl="1"/>
-            <a:endParaRPr lang="en-US" dirty="0"/>
+              <a:t>Examine important characteristics (moments) such as mean, variance (standard error), and correlation (when we have more than one RV).</a:t>
+            </a:r>
+          </a:p>
+          <a:p>
+            <a:r>
+              <a:rPr lang="en-US" dirty="0"/>
+              <a:t>Remember: </a:t>
+            </a:r>
+            <a:r>
+              <a:rPr lang="en-US" i="1" dirty="0"/>
+              <a:t>We do not observe the RVs</a:t>
+            </a:r>
+            <a:r>
+              <a:rPr lang="en-US" dirty="0"/>
+              <a:t>.  We observe </a:t>
+            </a:r>
+            <a:r>
+              <a:rPr lang="en-US" b="1" dirty="0"/>
+              <a:t>realizations</a:t>
+            </a:r>
+            <a:r>
+              <a:rPr lang="en-US" dirty="0"/>
+              <a:t> of the RVs that we call </a:t>
+            </a:r>
+            <a:r>
+              <a:rPr lang="en-US" b="1" dirty="0"/>
+              <a:t>data</a:t>
+            </a:r>
+            <a:r>
+              <a:rPr lang="en-US" dirty="0"/>
+              <a:t>. </a:t>
+            </a:r>
+          </a:p>
+          <a:p>
+            <a:r>
+              <a:rPr lang="en-US" dirty="0"/>
+              <a:t>In data analytics, we are modeling some underlying process, called a </a:t>
+            </a:r>
+            <a:r>
+              <a:rPr lang="en-US" u="sng" dirty="0"/>
+              <a:t>data generating process</a:t>
+            </a:r>
+            <a:r>
+              <a:rPr lang="en-US" dirty="0"/>
+              <a:t> (or DGP).</a:t>
+            </a:r>
           </a:p>
         </p:txBody>
       </p:sp>
     </p:spTree>
     <p:extLst>
       <p:ext uri="{BB962C8B-B14F-4D97-AF65-F5344CB8AC3E}">
-        <p14:creationId xmlns:p14="http://schemas.microsoft.com/office/powerpoint/2010/main" val="1320081015"/>
+        <p14:creationId xmlns:p14="http://schemas.microsoft.com/office/powerpoint/2010/main" val="284964730"/>
       </p:ext>
     </p:extLst>
   </p:cSld>
@@ -3857,7 +4025,7 @@
           <p:cNvPr id="2" name="Title 1">
             <a:extLst>
               <a:ext uri="{FF2B5EF4-FFF2-40B4-BE49-F238E27FC236}">
-                <a16:creationId xmlns:a16="http://schemas.microsoft.com/office/drawing/2014/main" id="{4E4123DB-FFA1-8E4C-99EF-77E78E502A41}"/>
+                <a16:creationId xmlns:a16="http://schemas.microsoft.com/office/drawing/2014/main" id="{C698EB29-7F42-A245-955C-E14D953648B8}"/>
               </a:ext>
             </a:extLst>
           </p:cNvPr>
@@ -3875,7 +4043,7 @@
           <a:p>
             <a:r>
               <a:rPr lang="en-US" dirty="0"/>
-              <a:t>Continuous RVs</a:t>
+              <a:t>Data Generating Processes in Industry</a:t>
             </a:r>
           </a:p>
         </p:txBody>
@@ -3885,7 +4053,7 @@
           <p:cNvPr id="3" name="Content Placeholder 2">
             <a:extLst>
               <a:ext uri="{FF2B5EF4-FFF2-40B4-BE49-F238E27FC236}">
-                <a16:creationId xmlns:a16="http://schemas.microsoft.com/office/drawing/2014/main" id="{BDD3A8F5-973B-3C42-89E4-9321EB8793FC}"/>
+                <a16:creationId xmlns:a16="http://schemas.microsoft.com/office/drawing/2014/main" id="{91D37225-0C3D-8B49-917A-5F188A31A685}"/>
               </a:ext>
             </a:extLst>
           </p:cNvPr>
@@ -3903,34 +4071,51 @@
           <a:p>
             <a:r>
               <a:rPr lang="en-US" dirty="0"/>
-              <a:t>Simply smoothed versions of discrete RVs.  </a:t>
-            </a:r>
-          </a:p>
-          <a:p>
-            <a:r>
-              <a:rPr lang="en-US" dirty="0"/>
-              <a:t>Means are weighted sums through integration.</a:t>
-            </a:r>
-          </a:p>
-          <a:p>
-            <a:r>
-              <a:rPr lang="en-US" dirty="0"/>
-              <a:t>Variances capture dispersion.</a:t>
+              <a:t>In many industries, data is generated as digital exhaust of human activity.</a:t>
+            </a:r>
+          </a:p>
+          <a:p>
+            <a:r>
+              <a:rPr lang="en-US" dirty="0"/>
+              <a:t>In CRE, data is generated in private transactions that often cannot be observed.</a:t>
+            </a:r>
+          </a:p>
+          <a:p>
+            <a:r>
+              <a:rPr lang="en-US" dirty="0"/>
+              <a:t>Secrecy limits the effort to collect and disseminate transactional data.</a:t>
             </a:r>
           </a:p>
           <a:p>
             <a:pPr lvl="1"/>
             <a:r>
               <a:rPr lang="en-US" dirty="0"/>
-              <a:t>The machines do all the work.</a:t>
-            </a:r>
+              <a:t>Think about vacancy.</a:t>
+            </a:r>
+          </a:p>
+          <a:p>
+            <a:pPr lvl="1"/>
+            <a:r>
+              <a:rPr lang="en-US" dirty="0"/>
+              <a:t>Think about rents: asking or transactional.</a:t>
+            </a:r>
+          </a:p>
+          <a:p>
+            <a:pPr lvl="1"/>
+            <a:r>
+              <a:rPr lang="en-US" dirty="0"/>
+              <a:t>Think about TIs.</a:t>
+            </a:r>
+          </a:p>
+          <a:p>
+            <a:endParaRPr lang="en-US" dirty="0"/>
           </a:p>
         </p:txBody>
       </p:sp>
     </p:spTree>
     <p:extLst>
       <p:ext uri="{BB962C8B-B14F-4D97-AF65-F5344CB8AC3E}">
-        <p14:creationId xmlns:p14="http://schemas.microsoft.com/office/powerpoint/2010/main" val="2906797379"/>
+        <p14:creationId xmlns:p14="http://schemas.microsoft.com/office/powerpoint/2010/main" val="3985749191"/>
       </p:ext>
     </p:extLst>
   </p:cSld>
@@ -3962,7 +4147,7 @@
           <p:cNvPr id="2" name="Title 1">
             <a:extLst>
               <a:ext uri="{FF2B5EF4-FFF2-40B4-BE49-F238E27FC236}">
-                <a16:creationId xmlns:a16="http://schemas.microsoft.com/office/drawing/2014/main" id="{BA98B70D-8A96-D040-9A02-E7C3DFE5A690}"/>
+                <a16:creationId xmlns:a16="http://schemas.microsoft.com/office/drawing/2014/main" id="{99766E76-59AC-7C46-ADC1-39435BD387AC}"/>
               </a:ext>
             </a:extLst>
           </p:cNvPr>
@@ -3980,7 +4165,7 @@
           <a:p>
             <a:r>
               <a:rPr lang="en-US" dirty="0"/>
-              <a:t>Important Discrete RVs</a:t>
+              <a:t>Let’s Return to Theory with an Example</a:t>
             </a:r>
           </a:p>
         </p:txBody>
@@ -3990,7 +4175,7 @@
           <p:cNvPr id="3" name="Content Placeholder 2">
             <a:extLst>
               <a:ext uri="{FF2B5EF4-FFF2-40B4-BE49-F238E27FC236}">
-                <a16:creationId xmlns:a16="http://schemas.microsoft.com/office/drawing/2014/main" id="{96666202-09FB-044E-ACCD-8677C8B339F3}"/>
+                <a16:creationId xmlns:a16="http://schemas.microsoft.com/office/drawing/2014/main" id="{2768D066-B314-444B-B1AE-CB6736016CC8}"/>
               </a:ext>
             </a:extLst>
           </p:cNvPr>
@@ -4008,101 +4193,34 @@
           <a:p>
             <a:r>
               <a:rPr lang="en-US" dirty="0"/>
-              <a:t>Uniform: Every outcome is equally likely</a:t>
-            </a:r>
-          </a:p>
-          <a:p>
-            <a:r>
-              <a:rPr lang="en-US" dirty="0"/>
-              <a:t>Bernoulli: a single coin flip, </a:t>
-            </a:r>
-            <a:r>
-              <a:rPr lang="en-US" dirty="0" err="1"/>
-              <a:t>Pr</a:t>
-            </a:r>
-            <a:r>
-              <a:rPr lang="en-US" dirty="0"/>
-              <a:t>(heads) = 0.5 on a fair coin</a:t>
+              <a:t>Consider the experiment of flipping a coin five times.  The RV is the sum of flips that were heads.</a:t>
+            </a:r>
+          </a:p>
+          <a:p>
+            <a:r>
+              <a:rPr lang="en-US" dirty="0"/>
+              <a:t>We summarize using Probability Density Functions (PDFs) and Cumulative Density Functions (CDFs).  </a:t>
             </a:r>
           </a:p>
           <a:p>
             <a:pPr lvl="1"/>
             <a:r>
               <a:rPr lang="en-US" dirty="0"/>
-              <a:t>Call obtaining a heads on a single coin flip to be a success.</a:t>
-            </a:r>
-          </a:p>
-          <a:p>
-            <a:r>
-              <a:rPr lang="en-US" dirty="0"/>
-              <a:t>Binomial: a series of coin flips</a:t>
-            </a:r>
-          </a:p>
-          <a:p>
-            <a:pPr lvl="1"/>
-            <a:r>
-              <a:rPr lang="en-US" dirty="0" err="1"/>
-              <a:t>Pr</a:t>
-            </a:r>
-            <a:r>
-              <a:rPr lang="en-US" dirty="0"/>
-              <a:t>(x heads in 8 coin flips) or </a:t>
-            </a:r>
-            <a:r>
-              <a:rPr lang="en-US" dirty="0" err="1"/>
-              <a:t>Pr</a:t>
-            </a:r>
-            <a:r>
-              <a:rPr lang="en-US" dirty="0"/>
-              <a:t>(x successes in 8 coin flips).</a:t>
-            </a:r>
-          </a:p>
-          <a:p>
-            <a:r>
-              <a:rPr lang="en-US" dirty="0"/>
-              <a:t>Geometric: </a:t>
-            </a:r>
-            <a:r>
-              <a:rPr lang="en-US" dirty="0" err="1"/>
-              <a:t>Pr</a:t>
-            </a:r>
-            <a:r>
-              <a:rPr lang="en-US" dirty="0"/>
-              <a:t>(first success after X failures) where the </a:t>
-            </a:r>
-            <a:r>
-              <a:rPr lang="en-US" dirty="0" err="1"/>
-              <a:t>Pr</a:t>
-            </a:r>
-            <a:r>
-              <a:rPr lang="en-US" dirty="0"/>
-              <a:t>(success) is fixed at some value.</a:t>
-            </a:r>
-          </a:p>
-          <a:p>
-            <a:r>
-              <a:rPr lang="en-US" dirty="0"/>
-              <a:t>Almost all other discrete RVs are based on the above.</a:t>
-            </a:r>
-          </a:p>
-          <a:p>
-            <a:r>
-              <a:rPr lang="en-US" dirty="0"/>
-              <a:t>Note that this is still just a representation of probability.</a:t>
-            </a:r>
-          </a:p>
-          <a:p>
-            <a:endParaRPr lang="en-US" dirty="0"/>
-          </a:p>
-          <a:p>
-            <a:endParaRPr lang="en-US" dirty="0"/>
+              <a:t>This is simple accounting.</a:t>
+            </a:r>
+          </a:p>
+          <a:p>
+            <a:r>
+              <a:rPr lang="en-US" dirty="0"/>
+              <a:t>From these we can determine many things: measures of central tendency.</a:t>
+            </a:r>
           </a:p>
         </p:txBody>
       </p:sp>
     </p:spTree>
     <p:extLst>
       <p:ext uri="{BB962C8B-B14F-4D97-AF65-F5344CB8AC3E}">
-        <p14:creationId xmlns:p14="http://schemas.microsoft.com/office/powerpoint/2010/main" val="2658460587"/>
+        <p14:creationId xmlns:p14="http://schemas.microsoft.com/office/powerpoint/2010/main" val="3339583332"/>
       </p:ext>
     </p:extLst>
   </p:cSld>
@@ -4134,7 +4252,7 @@
           <p:cNvPr id="2" name="Title 1">
             <a:extLst>
               <a:ext uri="{FF2B5EF4-FFF2-40B4-BE49-F238E27FC236}">
-                <a16:creationId xmlns:a16="http://schemas.microsoft.com/office/drawing/2014/main" id="{6F4D6E1B-2651-AA4D-AEA5-8396A62EF0E1}"/>
+                <a16:creationId xmlns:a16="http://schemas.microsoft.com/office/drawing/2014/main" id="{48130D46-D989-744F-B424-052FCDEB49C0}"/>
               </a:ext>
             </a:extLst>
           </p:cNvPr>
@@ -4152,7 +4270,7 @@
           <a:p>
             <a:r>
               <a:rPr lang="en-US" dirty="0"/>
-              <a:t>Important Continuous Random Variables</a:t>
+              <a:t>Measures of Central Tendency</a:t>
             </a:r>
           </a:p>
         </p:txBody>
@@ -4162,7 +4280,7 @@
           <p:cNvPr id="3" name="Content Placeholder 2">
             <a:extLst>
               <a:ext uri="{FF2B5EF4-FFF2-40B4-BE49-F238E27FC236}">
-                <a16:creationId xmlns:a16="http://schemas.microsoft.com/office/drawing/2014/main" id="{655F9DD9-2A8D-654A-938A-061BA07D285C}"/>
+                <a16:creationId xmlns:a16="http://schemas.microsoft.com/office/drawing/2014/main" id="{44B44ACC-3888-DE42-A531-ED1958F420A6}"/>
               </a:ext>
             </a:extLst>
           </p:cNvPr>
@@ -4175,69 +4293,85 @@
         </p:nvSpPr>
         <p:spPr/>
         <p:txBody>
-          <a:bodyPr>
-            <a:normAutofit lnSpcReduction="10000"/>
-          </a:bodyPr>
-          <a:lstStyle/>
-          <a:p>
-            <a:r>
-              <a:rPr lang="en-US" dirty="0"/>
-              <a:t>Uniform: fixed ranges of outcomes are equally likely.</a:t>
-            </a:r>
-          </a:p>
-          <a:p>
-            <a:r>
-              <a:rPr lang="en-US" dirty="0"/>
-              <a:t>Gamma: family of distributions that exists only for positive values.</a:t>
+          <a:bodyPr/>
+          <a:lstStyle/>
+          <a:p>
+            <a:r>
+              <a:rPr lang="en-US" dirty="0"/>
+              <a:t>Mean (or Average or Expectation): </a:t>
             </a:r>
           </a:p>
           <a:p>
             <a:pPr lvl="1"/>
             <a:r>
               <a:rPr lang="en-US" dirty="0"/>
-              <a:t>So-called right-tailed distributions.</a:t>
+              <a:t>Sum of outcomes times (or weighted by) their probability.</a:t>
             </a:r>
           </a:p>
           <a:p>
             <a:pPr lvl="1"/>
             <a:r>
               <a:rPr lang="en-US" dirty="0"/>
-              <a:t>Gamma ~ (alpha, lambda): for a given alpha, increasing lambda shrinks the tail.  For a given lambda, increasing alpha stretches the tail.</a:t>
-            </a:r>
-          </a:p>
-          <a:p>
-            <a:r>
-              <a:rPr lang="en-US" dirty="0"/>
-              <a:t>Normal: the distribution from nature.</a:t>
+              <a:t>Very intuitive for most to understand.</a:t>
             </a:r>
           </a:p>
           <a:p>
             <a:pPr lvl="1"/>
             <a:r>
               <a:rPr lang="en-US" dirty="0"/>
-              <a:t>Normal distribution with mean mu and standard deviation sigma (or variance sigma squared).</a:t>
+              <a:t>E(a + b X) = a + b E(X)	</a:t>
+            </a:r>
+          </a:p>
+          <a:p>
+            <a:r>
+              <a:rPr lang="en-US" dirty="0"/>
+              <a:t>Variance (or Dispersion):</a:t>
             </a:r>
           </a:p>
           <a:p>
             <a:pPr lvl="1"/>
             <a:r>
               <a:rPr lang="en-US" dirty="0"/>
-              <a:t>Mean adjusts the location, while standard deviation adjusts the width.</a:t>
+              <a:t>Squared deviations around the mean to measure dispersion of observed data.</a:t>
             </a:r>
           </a:p>
           <a:p>
             <a:pPr lvl="1"/>
             <a:r>
               <a:rPr lang="en-US" dirty="0"/>
-              <a:t>The normal distribution will appear many times, including as the basis for hypothesis testing using a null hypothesis. </a:t>
-            </a:r>
+              <a:t>Var(a + b X) = Var(a) + b</a:t>
+            </a:r>
+            <a:r>
+              <a:rPr lang="en-US" baseline="30000" dirty="0"/>
+              <a:t>2</a:t>
+            </a:r>
+            <a:r>
+              <a:rPr lang="en-US" dirty="0"/>
+              <a:t> Var (X) = b</a:t>
+            </a:r>
+            <a:r>
+              <a:rPr lang="en-US" baseline="30000" dirty="0"/>
+              <a:t>2</a:t>
+            </a:r>
+            <a:r>
+              <a:rPr lang="en-US" dirty="0"/>
+              <a:t> Var (X) because a has no variance.</a:t>
+            </a:r>
+          </a:p>
+          <a:p>
+            <a:pPr lvl="1"/>
+            <a:endParaRPr lang="en-US" dirty="0"/>
+          </a:p>
+          <a:p>
+            <a:pPr lvl="1"/>
+            <a:endParaRPr lang="en-US" dirty="0"/>
           </a:p>
         </p:txBody>
       </p:sp>
     </p:spTree>
     <p:extLst>
       <p:ext uri="{BB962C8B-B14F-4D97-AF65-F5344CB8AC3E}">
-        <p14:creationId xmlns:p14="http://schemas.microsoft.com/office/powerpoint/2010/main" val="3075128667"/>
+        <p14:creationId xmlns:p14="http://schemas.microsoft.com/office/powerpoint/2010/main" val="1320081015"/>
       </p:ext>
     </p:extLst>
   </p:cSld>
@@ -4269,53 +4403,72 @@
           <p:cNvPr id="2" name="Title 1">
             <a:extLst>
               <a:ext uri="{FF2B5EF4-FFF2-40B4-BE49-F238E27FC236}">
-                <a16:creationId xmlns:a16="http://schemas.microsoft.com/office/drawing/2014/main" id="{E6250925-EA08-1144-9A93-8B9D9D3A17DC}"/>
-              </a:ext>
-            </a:extLst>
-          </p:cNvPr>
-          <p:cNvSpPr>
-            <a:spLocks noGrp="1"/>
-          </p:cNvSpPr>
-          <p:nvPr>
-            <p:ph type="ctrTitle"/>
-          </p:nvPr>
-        </p:nvSpPr>
-        <p:spPr/>
-        <p:txBody>
-          <a:bodyPr/>
-          <a:lstStyle/>
-          <a:p>
-            <a:r>
-              <a:rPr lang="en-US" dirty="0"/>
-              <a:t>Why Does This Matter?</a:t>
-            </a:r>
-          </a:p>
-        </p:txBody>
-      </p:sp>
-      <p:sp>
-        <p:nvSpPr>
-          <p:cNvPr id="3" name="Subtitle 2">
-            <a:extLst>
-              <a:ext uri="{FF2B5EF4-FFF2-40B4-BE49-F238E27FC236}">
-                <a16:creationId xmlns:a16="http://schemas.microsoft.com/office/drawing/2014/main" id="{B168D078-57F9-0743-A06A-A610D673E821}"/>
-              </a:ext>
-            </a:extLst>
-          </p:cNvPr>
-          <p:cNvSpPr>
-            <a:spLocks noGrp="1"/>
-          </p:cNvSpPr>
-          <p:nvPr>
-            <p:ph type="subTitle" idx="1"/>
-          </p:nvPr>
-        </p:nvSpPr>
-        <p:spPr/>
-        <p:txBody>
-          <a:bodyPr/>
-          <a:lstStyle/>
-          <a:p>
-            <a:r>
-              <a:rPr lang="en-US" dirty="0"/>
-              <a:t>We Want To Examine Data</a:t>
+                <a16:creationId xmlns:a16="http://schemas.microsoft.com/office/drawing/2014/main" id="{4E4123DB-FFA1-8E4C-99EF-77E78E502A41}"/>
+              </a:ext>
+            </a:extLst>
+          </p:cNvPr>
+          <p:cNvSpPr>
+            <a:spLocks noGrp="1"/>
+          </p:cNvSpPr>
+          <p:nvPr>
+            <p:ph type="title"/>
+          </p:nvPr>
+        </p:nvSpPr>
+        <p:spPr/>
+        <p:txBody>
+          <a:bodyPr/>
+          <a:lstStyle/>
+          <a:p>
+            <a:r>
+              <a:rPr lang="en-US" dirty="0"/>
+              <a:t>Continuous RVs</a:t>
+            </a:r>
+          </a:p>
+        </p:txBody>
+      </p:sp>
+      <p:sp>
+        <p:nvSpPr>
+          <p:cNvPr id="3" name="Content Placeholder 2">
+            <a:extLst>
+              <a:ext uri="{FF2B5EF4-FFF2-40B4-BE49-F238E27FC236}">
+                <a16:creationId xmlns:a16="http://schemas.microsoft.com/office/drawing/2014/main" id="{BDD3A8F5-973B-3C42-89E4-9321EB8793FC}"/>
+              </a:ext>
+            </a:extLst>
+          </p:cNvPr>
+          <p:cNvSpPr>
+            <a:spLocks noGrp="1"/>
+          </p:cNvSpPr>
+          <p:nvPr>
+            <p:ph idx="1"/>
+          </p:nvPr>
+        </p:nvSpPr>
+        <p:spPr/>
+        <p:txBody>
+          <a:bodyPr/>
+          <a:lstStyle/>
+          <a:p>
+            <a:r>
+              <a:rPr lang="en-US" dirty="0"/>
+              <a:t>Simply smoothed versions of discrete RVs.  </a:t>
+            </a:r>
+          </a:p>
+          <a:p>
+            <a:r>
+              <a:rPr lang="en-US" dirty="0"/>
+              <a:t>Means are weighted sums through integration.</a:t>
+            </a:r>
+          </a:p>
+          <a:p>
+            <a:r>
+              <a:rPr lang="en-US" dirty="0"/>
+              <a:t>Variances capture dispersion.</a:t>
+            </a:r>
+          </a:p>
+          <a:p>
+            <a:pPr lvl="1"/>
+            <a:r>
+              <a:rPr lang="en-US" dirty="0"/>
+              <a:t>The machines do all the work.</a:t>
             </a:r>
           </a:p>
         </p:txBody>
@@ -4323,7 +4476,7 @@
     </p:spTree>
     <p:extLst>
       <p:ext uri="{BB962C8B-B14F-4D97-AF65-F5344CB8AC3E}">
-        <p14:creationId xmlns:p14="http://schemas.microsoft.com/office/powerpoint/2010/main" val="3142053353"/>
+        <p14:creationId xmlns:p14="http://schemas.microsoft.com/office/powerpoint/2010/main" val="2906797379"/>
       </p:ext>
     </p:extLst>
   </p:cSld>
@@ -4355,7 +4508,7 @@
           <p:cNvPr id="2" name="Title 1">
             <a:extLst>
               <a:ext uri="{FF2B5EF4-FFF2-40B4-BE49-F238E27FC236}">
-                <a16:creationId xmlns:a16="http://schemas.microsoft.com/office/drawing/2014/main" id="{3C4DA544-30FF-DD42-A366-67BB352DECFB}"/>
+                <a16:creationId xmlns:a16="http://schemas.microsoft.com/office/drawing/2014/main" id="{BA98B70D-8A96-D040-9A02-E7C3DFE5A690}"/>
               </a:ext>
             </a:extLst>
           </p:cNvPr>
@@ -4373,7 +4526,7 @@
           <a:p>
             <a:r>
               <a:rPr lang="en-US" dirty="0"/>
-              <a:t>Multivariate Distributions</a:t>
+              <a:t>Important Discrete RVs</a:t>
             </a:r>
           </a:p>
         </p:txBody>
@@ -4383,7 +4536,7 @@
           <p:cNvPr id="3" name="Content Placeholder 2">
             <a:extLst>
               <a:ext uri="{FF2B5EF4-FFF2-40B4-BE49-F238E27FC236}">
-                <a16:creationId xmlns:a16="http://schemas.microsoft.com/office/drawing/2014/main" id="{005D9AF6-4E09-0C48-98F5-A7CE0D64AF21}"/>
+                <a16:creationId xmlns:a16="http://schemas.microsoft.com/office/drawing/2014/main" id="{96666202-09FB-044E-ACCD-8677C8B339F3}"/>
               </a:ext>
             </a:extLst>
           </p:cNvPr>
@@ -4401,48 +4554,101 @@
           <a:p>
             <a:r>
               <a:rPr lang="en-US" dirty="0"/>
-              <a:t>We want to consider continuous distributions of more than one variable.</a:t>
-            </a:r>
-          </a:p>
-          <a:p>
-            <a:r>
-              <a:rPr lang="en-US" dirty="0"/>
-              <a:t>In particular, we want to examine how two variables are correlated (or covary).  </a:t>
-            </a:r>
-          </a:p>
-          <a:p>
-            <a:r>
-              <a:rPr lang="en-US" dirty="0"/>
-              <a:t>We will use this correlation as the basis of explanation.</a:t>
+              <a:t>Uniform: Every outcome is equally likely</a:t>
+            </a:r>
+          </a:p>
+          <a:p>
+            <a:r>
+              <a:rPr lang="en-US" dirty="0"/>
+              <a:t>Bernoulli: a single coin flip, </a:t>
+            </a:r>
+            <a:r>
+              <a:rPr lang="en-US" dirty="0" err="1"/>
+              <a:t>Pr</a:t>
+            </a:r>
+            <a:r>
+              <a:rPr lang="en-US" dirty="0"/>
+              <a:t>(heads) = 0.5 on a fair coin</a:t>
             </a:r>
           </a:p>
           <a:p>
             <a:pPr lvl="1"/>
             <a:r>
               <a:rPr lang="en-US" dirty="0"/>
-              <a:t>How are stock market returns correlated?</a:t>
+              <a:t>Call obtaining a heads on a single coin flip to be a success.</a:t>
+            </a:r>
+          </a:p>
+          <a:p>
+            <a:r>
+              <a:rPr lang="en-US" dirty="0"/>
+              <a:t>Binomial: a series of coin flips</a:t>
             </a:r>
           </a:p>
           <a:p>
             <a:pPr lvl="1"/>
             <a:r>
-              <a:rPr lang="en-US" dirty="0"/>
-              <a:t>How are interest rates and cap rates correlated?</a:t>
-            </a:r>
-          </a:p>
-          <a:p>
-            <a:pPr lvl="1"/>
-            <a:r>
-              <a:rPr lang="en-US" dirty="0"/>
-              <a:t>Can we develop informative models to describe these processes?</a:t>
-            </a:r>
+              <a:rPr lang="en-US" dirty="0" err="1"/>
+              <a:t>Pr</a:t>
+            </a:r>
+            <a:r>
+              <a:rPr lang="en-US" dirty="0"/>
+              <a:t>(x heads in 8 coin flips) or </a:t>
+            </a:r>
+            <a:r>
+              <a:rPr lang="en-US" dirty="0" err="1"/>
+              <a:t>Pr</a:t>
+            </a:r>
+            <a:r>
+              <a:rPr lang="en-US" dirty="0"/>
+              <a:t>(x successes in 8 coin flips).</a:t>
+            </a:r>
+          </a:p>
+          <a:p>
+            <a:r>
+              <a:rPr lang="en-US" dirty="0"/>
+              <a:t>Geometric: </a:t>
+            </a:r>
+            <a:r>
+              <a:rPr lang="en-US" dirty="0" err="1"/>
+              <a:t>Pr</a:t>
+            </a:r>
+            <a:r>
+              <a:rPr lang="en-US" dirty="0"/>
+              <a:t>(first success after X failures) where the </a:t>
+            </a:r>
+            <a:r>
+              <a:rPr lang="en-US" dirty="0" err="1"/>
+              <a:t>Pr</a:t>
+            </a:r>
+            <a:r>
+              <a:rPr lang="en-US" dirty="0"/>
+              <a:t>(success) is fixed at some value.</a:t>
+            </a:r>
+          </a:p>
+          <a:p>
+            <a:r>
+              <a:rPr lang="en-US" dirty="0"/>
+              <a:t>Almost all other discrete RVs are based on the above.</a:t>
+            </a:r>
+          </a:p>
+          <a:p>
+            <a:r>
+              <a:rPr lang="en-US" dirty="0"/>
+              <a:t>Note that this is still just a representation of probability.</a:t>
+            </a:r>
+          </a:p>
+          <a:p>
+            <a:endParaRPr lang="en-US" dirty="0"/>
+          </a:p>
+          <a:p>
+            <a:endParaRPr lang="en-US" dirty="0"/>
           </a:p>
         </p:txBody>
       </p:sp>
     </p:spTree>
     <p:extLst>
       <p:ext uri="{BB962C8B-B14F-4D97-AF65-F5344CB8AC3E}">
-        <p14:creationId xmlns:p14="http://schemas.microsoft.com/office/powerpoint/2010/main" val="1580836373"/>
+        <p14:creationId xmlns:p14="http://schemas.microsoft.com/office/powerpoint/2010/main" val="2658460587"/>
       </p:ext>
     </p:extLst>
   </p:cSld>
@@ -4474,65 +4680,102 @@
           <p:cNvPr id="2" name="Title 1">
             <a:extLst>
               <a:ext uri="{FF2B5EF4-FFF2-40B4-BE49-F238E27FC236}">
-                <a16:creationId xmlns:a16="http://schemas.microsoft.com/office/drawing/2014/main" id="{54DABA7E-6206-754A-A36C-B8BB002327BA}"/>
-              </a:ext>
-            </a:extLst>
-          </p:cNvPr>
-          <p:cNvSpPr>
-            <a:spLocks noGrp="1"/>
-          </p:cNvSpPr>
-          <p:nvPr>
-            <p:ph type="ctrTitle"/>
-          </p:nvPr>
-        </p:nvSpPr>
-        <p:spPr/>
-        <p:txBody>
-          <a:bodyPr/>
-          <a:lstStyle/>
-          <a:p>
-            <a:r>
-              <a:rPr lang="en-US" dirty="0"/>
-              <a:t>Averages, Covariance and Correlation</a:t>
-            </a:r>
-          </a:p>
-        </p:txBody>
-      </p:sp>
-      <p:sp>
-        <p:nvSpPr>
-          <p:cNvPr id="3" name="Subtitle 2">
-            <a:extLst>
-              <a:ext uri="{FF2B5EF4-FFF2-40B4-BE49-F238E27FC236}">
-                <a16:creationId xmlns:a16="http://schemas.microsoft.com/office/drawing/2014/main" id="{4221183A-6592-A342-8C97-D8EF9A76E2BD}"/>
-              </a:ext>
-            </a:extLst>
-          </p:cNvPr>
-          <p:cNvSpPr>
-            <a:spLocks noGrp="1"/>
-          </p:cNvSpPr>
-          <p:nvPr>
-            <p:ph type="subTitle" idx="1"/>
-          </p:nvPr>
-        </p:nvSpPr>
-        <p:spPr/>
-        <p:txBody>
-          <a:bodyPr/>
-          <a:lstStyle/>
-          <a:p>
-            <a:r>
-              <a:rPr lang="en-US" dirty="0"/>
-              <a:t>Averages: Where distributions are anchored</a:t>
-            </a:r>
-          </a:p>
-          <a:p>
-            <a:r>
-              <a:rPr lang="en-US" dirty="0"/>
-              <a:t>Covariance: Tendency to move in same or opposite direction</a:t>
-            </a:r>
-          </a:p>
-          <a:p>
-            <a:r>
-              <a:rPr lang="en-US" dirty="0"/>
-              <a:t>Correlation: Normalization of covariance to [-1, 1]</a:t>
+                <a16:creationId xmlns:a16="http://schemas.microsoft.com/office/drawing/2014/main" id="{6F4D6E1B-2651-AA4D-AEA5-8396A62EF0E1}"/>
+              </a:ext>
+            </a:extLst>
+          </p:cNvPr>
+          <p:cNvSpPr>
+            <a:spLocks noGrp="1"/>
+          </p:cNvSpPr>
+          <p:nvPr>
+            <p:ph type="title"/>
+          </p:nvPr>
+        </p:nvSpPr>
+        <p:spPr/>
+        <p:txBody>
+          <a:bodyPr/>
+          <a:lstStyle/>
+          <a:p>
+            <a:r>
+              <a:rPr lang="en-US" dirty="0"/>
+              <a:t>Important Continuous Random Variables</a:t>
+            </a:r>
+          </a:p>
+        </p:txBody>
+      </p:sp>
+      <p:sp>
+        <p:nvSpPr>
+          <p:cNvPr id="3" name="Content Placeholder 2">
+            <a:extLst>
+              <a:ext uri="{FF2B5EF4-FFF2-40B4-BE49-F238E27FC236}">
+                <a16:creationId xmlns:a16="http://schemas.microsoft.com/office/drawing/2014/main" id="{655F9DD9-2A8D-654A-938A-061BA07D285C}"/>
+              </a:ext>
+            </a:extLst>
+          </p:cNvPr>
+          <p:cNvSpPr>
+            <a:spLocks noGrp="1"/>
+          </p:cNvSpPr>
+          <p:nvPr>
+            <p:ph idx="1"/>
+          </p:nvPr>
+        </p:nvSpPr>
+        <p:spPr/>
+        <p:txBody>
+          <a:bodyPr>
+            <a:normAutofit lnSpcReduction="10000"/>
+          </a:bodyPr>
+          <a:lstStyle/>
+          <a:p>
+            <a:r>
+              <a:rPr lang="en-US" dirty="0"/>
+              <a:t>Uniform: fixed ranges of outcomes are equally likely.</a:t>
+            </a:r>
+          </a:p>
+          <a:p>
+            <a:r>
+              <a:rPr lang="en-US" dirty="0"/>
+              <a:t>Gamma: family of distributions that exists only for positive values.</a:t>
+            </a:r>
+          </a:p>
+          <a:p>
+            <a:pPr lvl="1"/>
+            <a:r>
+              <a:rPr lang="en-US" dirty="0"/>
+              <a:t>So-called right-tailed distributions.</a:t>
+            </a:r>
+          </a:p>
+          <a:p>
+            <a:pPr lvl="1"/>
+            <a:r>
+              <a:rPr lang="en-US" dirty="0"/>
+              <a:t>Gamma ~ (alpha, lambda): for a given alpha, increasing lambda shrinks the tail.  For a given lambda, increasing alpha stretches the tail.</a:t>
+            </a:r>
+          </a:p>
+          <a:p>
+            <a:r>
+              <a:rPr lang="en-US" dirty="0"/>
+              <a:t>Normal: the distribution from nature.</a:t>
+            </a:r>
+          </a:p>
+          <a:p>
+            <a:pPr lvl="1"/>
+            <a:r>
+              <a:rPr lang="en-US" dirty="0"/>
+              <a:t>Normal distribution with mean mu and standard deviation sigma (or variance sigma squared).</a:t>
+            </a:r>
+          </a:p>
+          <a:p>
+            <a:pPr lvl="1"/>
+            <a:r>
+              <a:rPr lang="en-US" dirty="0"/>
+              <a:t>Mean adjusts the location, while standard deviation adjusts the width.</a:t>
+            </a:r>
+          </a:p>
+          <a:p>
+            <a:pPr lvl="1"/>
+            <a:r>
+              <a:rPr lang="en-US" dirty="0"/>
+              <a:t>The normal distribution will appear many times, including as the basis for hypothesis testing using a null hypothesis. </a:t>
             </a:r>
           </a:p>
         </p:txBody>
@@ -4540,7 +4783,7 @@
     </p:spTree>
     <p:extLst>
       <p:ext uri="{BB962C8B-B14F-4D97-AF65-F5344CB8AC3E}">
-        <p14:creationId xmlns:p14="http://schemas.microsoft.com/office/powerpoint/2010/main" val="2315909030"/>
+        <p14:creationId xmlns:p14="http://schemas.microsoft.com/office/powerpoint/2010/main" val="3075128667"/>
       </p:ext>
     </p:extLst>
   </p:cSld>
@@ -4572,172 +4815,61 @@
           <p:cNvPr id="2" name="Title 1">
             <a:extLst>
               <a:ext uri="{FF2B5EF4-FFF2-40B4-BE49-F238E27FC236}">
-                <a16:creationId xmlns:a16="http://schemas.microsoft.com/office/drawing/2014/main" id="{A340D406-C548-364A-BF91-242AD47F8D34}"/>
-              </a:ext>
-            </a:extLst>
-          </p:cNvPr>
-          <p:cNvSpPr>
-            <a:spLocks noGrp="1"/>
-          </p:cNvSpPr>
-          <p:nvPr>
-            <p:ph type="title"/>
-          </p:nvPr>
-        </p:nvSpPr>
-        <p:spPr/>
-        <p:txBody>
-          <a:bodyPr/>
-          <a:lstStyle/>
-          <a:p>
-            <a:r>
-              <a:rPr lang="en-US" dirty="0"/>
-              <a:t>Rules Governing Covariances</a:t>
-            </a:r>
-          </a:p>
-        </p:txBody>
-      </p:sp>
-      <p:sp>
-        <p:nvSpPr>
-          <p:cNvPr id="3" name="Content Placeholder 2">
-            <a:extLst>
-              <a:ext uri="{FF2B5EF4-FFF2-40B4-BE49-F238E27FC236}">
-                <a16:creationId xmlns:a16="http://schemas.microsoft.com/office/drawing/2014/main" id="{0E3DF0FE-0580-1844-8ECA-62C4165ED269}"/>
-              </a:ext>
-            </a:extLst>
-          </p:cNvPr>
-          <p:cNvSpPr>
-            <a:spLocks noGrp="1"/>
-          </p:cNvSpPr>
-          <p:nvPr>
-            <p:ph idx="1"/>
-          </p:nvPr>
-        </p:nvSpPr>
-        <p:spPr/>
-        <p:txBody>
-          <a:bodyPr/>
-          <a:lstStyle/>
-          <a:p>
-            <a:r>
-              <a:rPr lang="en-US" dirty="0" err="1"/>
-              <a:t>Cov</a:t>
-            </a:r>
-            <a:r>
-              <a:rPr lang="en-US" dirty="0"/>
-              <a:t>(X, X) = Var(X) or </a:t>
-            </a:r>
-            <a:r>
-              <a:rPr lang="en-US" dirty="0" err="1"/>
-              <a:t>Cov</a:t>
-            </a:r>
-            <a:r>
-              <a:rPr lang="en-US" dirty="0"/>
-              <a:t>(X, X) – Var(X) = 0</a:t>
-            </a:r>
-          </a:p>
-          <a:p>
-            <a:r>
-              <a:rPr lang="en-US" dirty="0" err="1"/>
-              <a:t>Cov</a:t>
-            </a:r>
-            <a:r>
-              <a:rPr lang="en-US" dirty="0"/>
-              <a:t>(</a:t>
-            </a:r>
-            <a:r>
-              <a:rPr lang="en-US" dirty="0" err="1"/>
-              <a:t>aX</a:t>
-            </a:r>
-            <a:r>
-              <a:rPr lang="en-US" dirty="0"/>
-              <a:t> + </a:t>
-            </a:r>
-            <a:r>
-              <a:rPr lang="en-US" dirty="0" err="1"/>
-              <a:t>bY</a:t>
-            </a:r>
-            <a:r>
-              <a:rPr lang="en-US" dirty="0"/>
-              <a:t>) = </a:t>
-            </a:r>
-            <a:r>
-              <a:rPr lang="en-US" dirty="0" err="1"/>
-              <a:t>abCov</a:t>
-            </a:r>
-            <a:r>
-              <a:rPr lang="en-US" dirty="0"/>
-              <a:t>(X, Y)</a:t>
-            </a:r>
-          </a:p>
-          <a:p>
-            <a:r>
-              <a:rPr lang="en-US" dirty="0"/>
-              <a:t>Var(</a:t>
-            </a:r>
-            <a:r>
-              <a:rPr lang="en-US" dirty="0" err="1"/>
-              <a:t>aX</a:t>
-            </a:r>
-            <a:r>
-              <a:rPr lang="en-US" dirty="0"/>
-              <a:t> + </a:t>
-            </a:r>
-            <a:r>
-              <a:rPr lang="en-US" dirty="0" err="1"/>
-              <a:t>bY</a:t>
-            </a:r>
-            <a:r>
-              <a:rPr lang="en-US" dirty="0"/>
-              <a:t>) = a</a:t>
-            </a:r>
-            <a:r>
-              <a:rPr lang="en-US" baseline="30000" dirty="0"/>
-              <a:t>2</a:t>
-            </a:r>
-            <a:r>
-              <a:rPr lang="en-US" dirty="0"/>
-              <a:t>Var(X) + b</a:t>
-            </a:r>
-            <a:r>
-              <a:rPr lang="en-US" baseline="30000" dirty="0"/>
-              <a:t>2</a:t>
-            </a:r>
-            <a:r>
-              <a:rPr lang="en-US" dirty="0"/>
-              <a:t>Var(Y) + 2abCov(X, Y)</a:t>
-            </a:r>
-          </a:p>
-          <a:p>
-            <a:r>
-              <a:rPr lang="en-US" dirty="0" err="1"/>
-              <a:t>Cov</a:t>
-            </a:r>
-            <a:r>
-              <a:rPr lang="en-US" dirty="0"/>
-              <a:t>(X, Y) = 0 if X and Y are independent of each other</a:t>
-            </a:r>
-          </a:p>
-          <a:p>
-            <a:r>
-              <a:rPr lang="en-US" dirty="0"/>
-              <a:t>Cor(X, Y) = </a:t>
-            </a:r>
-            <a:r>
-              <a:rPr lang="en-US" dirty="0" err="1"/>
-              <a:t>Cov</a:t>
-            </a:r>
-            <a:r>
-              <a:rPr lang="en-US" dirty="0"/>
-              <a:t>(X, Y) / [SD(X) SD(Y)]</a:t>
-            </a:r>
-          </a:p>
-          <a:p>
-            <a:endParaRPr lang="en-US"/>
+                <a16:creationId xmlns:a16="http://schemas.microsoft.com/office/drawing/2014/main" id="{E6250925-EA08-1144-9A93-8B9D9D3A17DC}"/>
+              </a:ext>
+            </a:extLst>
+          </p:cNvPr>
+          <p:cNvSpPr>
+            <a:spLocks noGrp="1"/>
+          </p:cNvSpPr>
+          <p:nvPr>
+            <p:ph type="ctrTitle"/>
+          </p:nvPr>
+        </p:nvSpPr>
+        <p:spPr/>
+        <p:txBody>
+          <a:bodyPr/>
+          <a:lstStyle/>
+          <a:p>
+            <a:r>
+              <a:rPr lang="en-US" dirty="0"/>
+              <a:t>Why Does This Matter?</a:t>
+            </a:r>
+          </a:p>
+        </p:txBody>
+      </p:sp>
+      <p:sp>
+        <p:nvSpPr>
+          <p:cNvPr id="3" name="Subtitle 2">
+            <a:extLst>
+              <a:ext uri="{FF2B5EF4-FFF2-40B4-BE49-F238E27FC236}">
+                <a16:creationId xmlns:a16="http://schemas.microsoft.com/office/drawing/2014/main" id="{B168D078-57F9-0743-A06A-A610D673E821}"/>
+              </a:ext>
+            </a:extLst>
+          </p:cNvPr>
+          <p:cNvSpPr>
+            <a:spLocks noGrp="1"/>
+          </p:cNvSpPr>
+          <p:nvPr>
+            <p:ph type="subTitle" idx="1"/>
+          </p:nvPr>
+        </p:nvSpPr>
+        <p:spPr/>
+        <p:txBody>
+          <a:bodyPr/>
+          <a:lstStyle/>
+          <a:p>
+            <a:r>
+              <a:rPr lang="en-US" dirty="0"/>
+              <a:t>We Want To Examine Data</a:t>
+            </a:r>
           </a:p>
         </p:txBody>
       </p:sp>
     </p:spTree>
     <p:extLst>
       <p:ext uri="{BB962C8B-B14F-4D97-AF65-F5344CB8AC3E}">
-        <p14:creationId xmlns:p14="http://schemas.microsoft.com/office/powerpoint/2010/main" val="2027690935"/>
+        <p14:creationId xmlns:p14="http://schemas.microsoft.com/office/powerpoint/2010/main" val="3142053353"/>
       </p:ext>
     </p:extLst>
   </p:cSld>
@@ -4815,7 +4947,7 @@
           <a:p>
             <a:r>
               <a:rPr lang="en-US" dirty="0"/>
-              <a:t>Like every other major industry, CRE will be disrupted by data analytics.</a:t>
+              <a:t>Like every other major industry, CRE will be disrupted by the use of data analytics.  </a:t>
             </a:r>
           </a:p>
           <a:p>
@@ -4862,7 +4994,7 @@
             <a:pPr lvl="1"/>
             <a:r>
               <a:rPr lang="en-US" dirty="0"/>
-              <a:t>Example: I want to predict what the 10-Year U.S. Treasury is going to be in the future to determine an accurate DCF for my property.</a:t>
+              <a:t>Example: I want to predict what the 10-Year U.S. Treasury is going to be in the future to determine a realistic DCF for my property.</a:t>
             </a:r>
           </a:p>
         </p:txBody>
@@ -4871,6 +5003,793 @@
     <p:extLst>
       <p:ext uri="{BB962C8B-B14F-4D97-AF65-F5344CB8AC3E}">
         <p14:creationId xmlns:p14="http://schemas.microsoft.com/office/powerpoint/2010/main" val="296033962"/>
+      </p:ext>
+    </p:extLst>
+  </p:cSld>
+  <p:clrMapOvr>
+    <a:masterClrMapping/>
+  </p:clrMapOvr>
+</p:sld>
+</file>
+
+<file path=ppt/slides/slide20.xml><?xml version="1.0" encoding="utf-8"?>
+<p:sld xmlns:a="http://schemas.openxmlformats.org/drawingml/2006/main" xmlns:r="http://schemas.openxmlformats.org/officeDocument/2006/relationships" xmlns:p="http://schemas.openxmlformats.org/presentationml/2006/main">
+  <p:cSld>
+    <p:spTree>
+      <p:nvGrpSpPr>
+        <p:cNvPr id="1" name=""/>
+        <p:cNvGrpSpPr/>
+        <p:nvPr/>
+      </p:nvGrpSpPr>
+      <p:grpSpPr>
+        <a:xfrm>
+          <a:off x="0" y="0"/>
+          <a:ext cx="0" cy="0"/>
+          <a:chOff x="0" y="0"/>
+          <a:chExt cx="0" cy="0"/>
+        </a:xfrm>
+      </p:grpSpPr>
+      <p:sp>
+        <p:nvSpPr>
+          <p:cNvPr id="2" name="Title 1">
+            <a:extLst>
+              <a:ext uri="{FF2B5EF4-FFF2-40B4-BE49-F238E27FC236}">
+                <a16:creationId xmlns:a16="http://schemas.microsoft.com/office/drawing/2014/main" id="{3C4DA544-30FF-DD42-A366-67BB352DECFB}"/>
+              </a:ext>
+            </a:extLst>
+          </p:cNvPr>
+          <p:cNvSpPr>
+            <a:spLocks noGrp="1"/>
+          </p:cNvSpPr>
+          <p:nvPr>
+            <p:ph type="title"/>
+          </p:nvPr>
+        </p:nvSpPr>
+        <p:spPr/>
+        <p:txBody>
+          <a:bodyPr/>
+          <a:lstStyle/>
+          <a:p>
+            <a:r>
+              <a:rPr lang="en-US" dirty="0"/>
+              <a:t>Multivariate Distributions</a:t>
+            </a:r>
+          </a:p>
+        </p:txBody>
+      </p:sp>
+      <p:sp>
+        <p:nvSpPr>
+          <p:cNvPr id="3" name="Content Placeholder 2">
+            <a:extLst>
+              <a:ext uri="{FF2B5EF4-FFF2-40B4-BE49-F238E27FC236}">
+                <a16:creationId xmlns:a16="http://schemas.microsoft.com/office/drawing/2014/main" id="{005D9AF6-4E09-0C48-98F5-A7CE0D64AF21}"/>
+              </a:ext>
+            </a:extLst>
+          </p:cNvPr>
+          <p:cNvSpPr>
+            <a:spLocks noGrp="1"/>
+          </p:cNvSpPr>
+          <p:nvPr>
+            <p:ph idx="1"/>
+          </p:nvPr>
+        </p:nvSpPr>
+        <p:spPr/>
+        <p:txBody>
+          <a:bodyPr/>
+          <a:lstStyle/>
+          <a:p>
+            <a:r>
+              <a:rPr lang="en-US" dirty="0"/>
+              <a:t>We want to consider continuous distributions of more than one variable.</a:t>
+            </a:r>
+          </a:p>
+          <a:p>
+            <a:r>
+              <a:rPr lang="en-US" dirty="0"/>
+              <a:t>In particular, we want to examine how two variables are correlated (or co-vary).  </a:t>
+            </a:r>
+          </a:p>
+          <a:p>
+            <a:r>
+              <a:rPr lang="en-US" dirty="0"/>
+              <a:t>We will use this correlation as the basis of explanation.</a:t>
+            </a:r>
+          </a:p>
+          <a:p>
+            <a:pPr lvl="1"/>
+            <a:r>
+              <a:rPr lang="en-US" dirty="0"/>
+              <a:t>How are stock market returns correlated?</a:t>
+            </a:r>
+          </a:p>
+          <a:p>
+            <a:pPr lvl="1"/>
+            <a:r>
+              <a:rPr lang="en-US" dirty="0"/>
+              <a:t>How are interest rates and cap rates correlated?</a:t>
+            </a:r>
+          </a:p>
+          <a:p>
+            <a:pPr lvl="1"/>
+            <a:r>
+              <a:rPr lang="en-US" dirty="0"/>
+              <a:t>Can we develop informative models to describe these processes?</a:t>
+            </a:r>
+          </a:p>
+        </p:txBody>
+      </p:sp>
+    </p:spTree>
+    <p:extLst>
+      <p:ext uri="{BB962C8B-B14F-4D97-AF65-F5344CB8AC3E}">
+        <p14:creationId xmlns:p14="http://schemas.microsoft.com/office/powerpoint/2010/main" val="1580836373"/>
+      </p:ext>
+    </p:extLst>
+  </p:cSld>
+  <p:clrMapOvr>
+    <a:masterClrMapping/>
+  </p:clrMapOvr>
+</p:sld>
+</file>
+
+<file path=ppt/slides/slide21.xml><?xml version="1.0" encoding="utf-8"?>
+<p:sld xmlns:a="http://schemas.openxmlformats.org/drawingml/2006/main" xmlns:r="http://schemas.openxmlformats.org/officeDocument/2006/relationships" xmlns:p="http://schemas.openxmlformats.org/presentationml/2006/main">
+  <p:cSld>
+    <p:spTree>
+      <p:nvGrpSpPr>
+        <p:cNvPr id="1" name=""/>
+        <p:cNvGrpSpPr/>
+        <p:nvPr/>
+      </p:nvGrpSpPr>
+      <p:grpSpPr>
+        <a:xfrm>
+          <a:off x="0" y="0"/>
+          <a:ext cx="0" cy="0"/>
+          <a:chOff x="0" y="0"/>
+          <a:chExt cx="0" cy="0"/>
+        </a:xfrm>
+      </p:grpSpPr>
+      <p:sp>
+        <p:nvSpPr>
+          <p:cNvPr id="2" name="Title 1">
+            <a:extLst>
+              <a:ext uri="{FF2B5EF4-FFF2-40B4-BE49-F238E27FC236}">
+                <a16:creationId xmlns:a16="http://schemas.microsoft.com/office/drawing/2014/main" id="{54DABA7E-6206-754A-A36C-B8BB002327BA}"/>
+              </a:ext>
+            </a:extLst>
+          </p:cNvPr>
+          <p:cNvSpPr>
+            <a:spLocks noGrp="1"/>
+          </p:cNvSpPr>
+          <p:nvPr>
+            <p:ph type="ctrTitle"/>
+          </p:nvPr>
+        </p:nvSpPr>
+        <p:spPr/>
+        <p:txBody>
+          <a:bodyPr/>
+          <a:lstStyle/>
+          <a:p>
+            <a:r>
+              <a:rPr lang="en-US" dirty="0"/>
+              <a:t>Averages, Covariance and Correlation</a:t>
+            </a:r>
+          </a:p>
+        </p:txBody>
+      </p:sp>
+      <p:sp>
+        <p:nvSpPr>
+          <p:cNvPr id="3" name="Subtitle 2">
+            <a:extLst>
+              <a:ext uri="{FF2B5EF4-FFF2-40B4-BE49-F238E27FC236}">
+                <a16:creationId xmlns:a16="http://schemas.microsoft.com/office/drawing/2014/main" id="{4221183A-6592-A342-8C97-D8EF9A76E2BD}"/>
+              </a:ext>
+            </a:extLst>
+          </p:cNvPr>
+          <p:cNvSpPr>
+            <a:spLocks noGrp="1"/>
+          </p:cNvSpPr>
+          <p:nvPr>
+            <p:ph type="subTitle" idx="1"/>
+          </p:nvPr>
+        </p:nvSpPr>
+        <p:spPr/>
+        <p:txBody>
+          <a:bodyPr/>
+          <a:lstStyle/>
+          <a:p>
+            <a:r>
+              <a:rPr lang="en-US" dirty="0"/>
+              <a:t>Averages: Where distributions are anchored</a:t>
+            </a:r>
+          </a:p>
+          <a:p>
+            <a:r>
+              <a:rPr lang="en-US" dirty="0"/>
+              <a:t>Covariance: Tendency to move in same or opposite direction</a:t>
+            </a:r>
+          </a:p>
+          <a:p>
+            <a:r>
+              <a:rPr lang="en-US" dirty="0"/>
+              <a:t>Correlation: Normalization of covariance to [-1, 1]</a:t>
+            </a:r>
+          </a:p>
+        </p:txBody>
+      </p:sp>
+    </p:spTree>
+    <p:extLst>
+      <p:ext uri="{BB962C8B-B14F-4D97-AF65-F5344CB8AC3E}">
+        <p14:creationId xmlns:p14="http://schemas.microsoft.com/office/powerpoint/2010/main" val="2315909030"/>
+      </p:ext>
+    </p:extLst>
+  </p:cSld>
+  <p:clrMapOvr>
+    <a:masterClrMapping/>
+  </p:clrMapOvr>
+</p:sld>
+</file>
+
+<file path=ppt/slides/slide22.xml><?xml version="1.0" encoding="utf-8"?>
+<p:sld xmlns:a="http://schemas.openxmlformats.org/drawingml/2006/main" xmlns:r="http://schemas.openxmlformats.org/officeDocument/2006/relationships" xmlns:p="http://schemas.openxmlformats.org/presentationml/2006/main">
+  <p:cSld>
+    <p:spTree>
+      <p:nvGrpSpPr>
+        <p:cNvPr id="1" name=""/>
+        <p:cNvGrpSpPr/>
+        <p:nvPr/>
+      </p:nvGrpSpPr>
+      <p:grpSpPr>
+        <a:xfrm>
+          <a:off x="0" y="0"/>
+          <a:ext cx="0" cy="0"/>
+          <a:chOff x="0" y="0"/>
+          <a:chExt cx="0" cy="0"/>
+        </a:xfrm>
+      </p:grpSpPr>
+      <p:sp>
+        <p:nvSpPr>
+          <p:cNvPr id="2" name="Title 1">
+            <a:extLst>
+              <a:ext uri="{FF2B5EF4-FFF2-40B4-BE49-F238E27FC236}">
+                <a16:creationId xmlns:a16="http://schemas.microsoft.com/office/drawing/2014/main" id="{A340D406-C548-364A-BF91-242AD47F8D34}"/>
+              </a:ext>
+            </a:extLst>
+          </p:cNvPr>
+          <p:cNvSpPr>
+            <a:spLocks noGrp="1"/>
+          </p:cNvSpPr>
+          <p:nvPr>
+            <p:ph type="title"/>
+          </p:nvPr>
+        </p:nvSpPr>
+        <p:spPr/>
+        <p:txBody>
+          <a:bodyPr/>
+          <a:lstStyle/>
+          <a:p>
+            <a:r>
+              <a:rPr lang="en-US" dirty="0"/>
+              <a:t>Rules Governing Covariances</a:t>
+            </a:r>
+          </a:p>
+        </p:txBody>
+      </p:sp>
+      <p:sp>
+        <p:nvSpPr>
+          <p:cNvPr id="3" name="Content Placeholder 2">
+            <a:extLst>
+              <a:ext uri="{FF2B5EF4-FFF2-40B4-BE49-F238E27FC236}">
+                <a16:creationId xmlns:a16="http://schemas.microsoft.com/office/drawing/2014/main" id="{0E3DF0FE-0580-1844-8ECA-62C4165ED269}"/>
+              </a:ext>
+            </a:extLst>
+          </p:cNvPr>
+          <p:cNvSpPr>
+            <a:spLocks noGrp="1"/>
+          </p:cNvSpPr>
+          <p:nvPr>
+            <p:ph idx="1"/>
+          </p:nvPr>
+        </p:nvSpPr>
+        <p:spPr/>
+        <p:txBody>
+          <a:bodyPr/>
+          <a:lstStyle/>
+          <a:p>
+            <a:r>
+              <a:rPr lang="en-US" dirty="0" err="1"/>
+              <a:t>Cov</a:t>
+            </a:r>
+            <a:r>
+              <a:rPr lang="en-US" dirty="0"/>
+              <a:t>(X, X) = Var(X) or </a:t>
+            </a:r>
+            <a:r>
+              <a:rPr lang="en-US" dirty="0" err="1"/>
+              <a:t>Cov</a:t>
+            </a:r>
+            <a:r>
+              <a:rPr lang="en-US" dirty="0"/>
+              <a:t>(X, X) – Var(X) = 0</a:t>
+            </a:r>
+          </a:p>
+          <a:p>
+            <a:r>
+              <a:rPr lang="en-US" dirty="0" err="1"/>
+              <a:t>Cov</a:t>
+            </a:r>
+            <a:r>
+              <a:rPr lang="en-US" dirty="0"/>
+              <a:t>(</a:t>
+            </a:r>
+            <a:r>
+              <a:rPr lang="en-US" dirty="0" err="1"/>
+              <a:t>aX</a:t>
+            </a:r>
+            <a:r>
+              <a:rPr lang="en-US" dirty="0"/>
+              <a:t> + </a:t>
+            </a:r>
+            <a:r>
+              <a:rPr lang="en-US" dirty="0" err="1"/>
+              <a:t>bY</a:t>
+            </a:r>
+            <a:r>
+              <a:rPr lang="en-US" dirty="0"/>
+              <a:t>) = </a:t>
+            </a:r>
+            <a:r>
+              <a:rPr lang="en-US" dirty="0" err="1"/>
+              <a:t>abCov</a:t>
+            </a:r>
+            <a:r>
+              <a:rPr lang="en-US" dirty="0"/>
+              <a:t>(X, Y)</a:t>
+            </a:r>
+          </a:p>
+          <a:p>
+            <a:r>
+              <a:rPr lang="en-US" dirty="0"/>
+              <a:t>Var(</a:t>
+            </a:r>
+            <a:r>
+              <a:rPr lang="en-US" dirty="0" err="1"/>
+              <a:t>aX</a:t>
+            </a:r>
+            <a:r>
+              <a:rPr lang="en-US" dirty="0"/>
+              <a:t> + </a:t>
+            </a:r>
+            <a:r>
+              <a:rPr lang="en-US" dirty="0" err="1"/>
+              <a:t>bY</a:t>
+            </a:r>
+            <a:r>
+              <a:rPr lang="en-US" dirty="0"/>
+              <a:t>) = a</a:t>
+            </a:r>
+            <a:r>
+              <a:rPr lang="en-US" baseline="30000" dirty="0"/>
+              <a:t>2</a:t>
+            </a:r>
+            <a:r>
+              <a:rPr lang="en-US" dirty="0"/>
+              <a:t>Var(X) + b</a:t>
+            </a:r>
+            <a:r>
+              <a:rPr lang="en-US" baseline="30000" dirty="0"/>
+              <a:t>2</a:t>
+            </a:r>
+            <a:r>
+              <a:rPr lang="en-US" dirty="0"/>
+              <a:t>Var(Y) + 2abCov(X, Y)</a:t>
+            </a:r>
+          </a:p>
+          <a:p>
+            <a:r>
+              <a:rPr lang="en-US" dirty="0" err="1"/>
+              <a:t>Cov</a:t>
+            </a:r>
+            <a:r>
+              <a:rPr lang="en-US" dirty="0"/>
+              <a:t>(X, Y) = 0 if X and Y are independent of each other</a:t>
+            </a:r>
+          </a:p>
+          <a:p>
+            <a:r>
+              <a:rPr lang="en-US" dirty="0"/>
+              <a:t>Cor(X, Y) = </a:t>
+            </a:r>
+            <a:r>
+              <a:rPr lang="en-US" dirty="0" err="1"/>
+              <a:t>Cov</a:t>
+            </a:r>
+            <a:r>
+              <a:rPr lang="en-US" dirty="0"/>
+              <a:t>(X, Y) / [SD(X) SD(Y)]</a:t>
+            </a:r>
+          </a:p>
+        </p:txBody>
+      </p:sp>
+    </p:spTree>
+    <p:extLst>
+      <p:ext uri="{BB962C8B-B14F-4D97-AF65-F5344CB8AC3E}">
+        <p14:creationId xmlns:p14="http://schemas.microsoft.com/office/powerpoint/2010/main" val="2027690935"/>
+      </p:ext>
+    </p:extLst>
+  </p:cSld>
+  <p:clrMapOvr>
+    <a:masterClrMapping/>
+  </p:clrMapOvr>
+</p:sld>
+</file>
+
+<file path=ppt/slides/slide23.xml><?xml version="1.0" encoding="utf-8"?>
+<p:sld xmlns:a="http://schemas.openxmlformats.org/drawingml/2006/main" xmlns:r="http://schemas.openxmlformats.org/officeDocument/2006/relationships" xmlns:p="http://schemas.openxmlformats.org/presentationml/2006/main">
+  <p:cSld>
+    <p:spTree>
+      <p:nvGrpSpPr>
+        <p:cNvPr id="1" name=""/>
+        <p:cNvGrpSpPr/>
+        <p:nvPr/>
+      </p:nvGrpSpPr>
+      <p:grpSpPr>
+        <a:xfrm>
+          <a:off x="0" y="0"/>
+          <a:ext cx="0" cy="0"/>
+          <a:chOff x="0" y="0"/>
+          <a:chExt cx="0" cy="0"/>
+        </a:xfrm>
+      </p:grpSpPr>
+      <p:sp>
+        <p:nvSpPr>
+          <p:cNvPr id="2" name="Title 1">
+            <a:extLst>
+              <a:ext uri="{FF2B5EF4-FFF2-40B4-BE49-F238E27FC236}">
+                <a16:creationId xmlns:a16="http://schemas.microsoft.com/office/drawing/2014/main" id="{B679E842-D0AB-2143-A419-38B25BF94890}"/>
+              </a:ext>
+            </a:extLst>
+          </p:cNvPr>
+          <p:cNvSpPr>
+            <a:spLocks noGrp="1"/>
+          </p:cNvSpPr>
+          <p:nvPr>
+            <p:ph type="ctrTitle"/>
+          </p:nvPr>
+        </p:nvSpPr>
+        <p:spPr/>
+        <p:txBody>
+          <a:bodyPr/>
+          <a:lstStyle/>
+          <a:p>
+            <a:r>
+              <a:rPr lang="en-US" dirty="0"/>
+              <a:t>Multivariate Normal</a:t>
+            </a:r>
+          </a:p>
+        </p:txBody>
+      </p:sp>
+      <p:sp>
+        <p:nvSpPr>
+          <p:cNvPr id="3" name="Subtitle 2">
+            <a:extLst>
+              <a:ext uri="{FF2B5EF4-FFF2-40B4-BE49-F238E27FC236}">
+                <a16:creationId xmlns:a16="http://schemas.microsoft.com/office/drawing/2014/main" id="{988F7B39-B088-6C42-AB44-84E653078BEC}"/>
+              </a:ext>
+            </a:extLst>
+          </p:cNvPr>
+          <p:cNvSpPr>
+            <a:spLocks noGrp="1"/>
+          </p:cNvSpPr>
+          <p:nvPr>
+            <p:ph type="subTitle" idx="1"/>
+          </p:nvPr>
+        </p:nvSpPr>
+        <p:spPr/>
+        <p:txBody>
+          <a:bodyPr/>
+          <a:lstStyle/>
+          <a:p>
+            <a:r>
+              <a:rPr lang="en-US" dirty="0"/>
+              <a:t>Again Nature’s Distribution of Many Variables</a:t>
+            </a:r>
+          </a:p>
+          <a:p>
+            <a:r>
+              <a:rPr lang="en-US" dirty="0"/>
+              <a:t>Start with Bivariate Normal</a:t>
+            </a:r>
+          </a:p>
+        </p:txBody>
+      </p:sp>
+    </p:spTree>
+    <p:extLst>
+      <p:ext uri="{BB962C8B-B14F-4D97-AF65-F5344CB8AC3E}">
+        <p14:creationId xmlns:p14="http://schemas.microsoft.com/office/powerpoint/2010/main" val="3725412958"/>
+      </p:ext>
+    </p:extLst>
+  </p:cSld>
+  <p:clrMapOvr>
+    <a:masterClrMapping/>
+  </p:clrMapOvr>
+</p:sld>
+</file>
+
+<file path=ppt/slides/slide24.xml><?xml version="1.0" encoding="utf-8"?>
+<p:sld xmlns:a="http://schemas.openxmlformats.org/drawingml/2006/main" xmlns:r="http://schemas.openxmlformats.org/officeDocument/2006/relationships" xmlns:p="http://schemas.openxmlformats.org/presentationml/2006/main">
+  <p:cSld>
+    <p:spTree>
+      <p:nvGrpSpPr>
+        <p:cNvPr id="1" name=""/>
+        <p:cNvGrpSpPr/>
+        <p:nvPr/>
+      </p:nvGrpSpPr>
+      <p:grpSpPr>
+        <a:xfrm>
+          <a:off x="0" y="0"/>
+          <a:ext cx="0" cy="0"/>
+          <a:chOff x="0" y="0"/>
+          <a:chExt cx="0" cy="0"/>
+        </a:xfrm>
+      </p:grpSpPr>
+      <p:sp>
+        <p:nvSpPr>
+          <p:cNvPr id="2" name="Title 1">
+            <a:extLst>
+              <a:ext uri="{FF2B5EF4-FFF2-40B4-BE49-F238E27FC236}">
+                <a16:creationId xmlns:a16="http://schemas.microsoft.com/office/drawing/2014/main" id="{E4EADD7E-3DB9-BD4C-9DE6-7129EFAFC79C}"/>
+              </a:ext>
+            </a:extLst>
+          </p:cNvPr>
+          <p:cNvSpPr>
+            <a:spLocks noGrp="1"/>
+          </p:cNvSpPr>
+          <p:nvPr>
+            <p:ph type="ctrTitle"/>
+          </p:nvPr>
+        </p:nvSpPr>
+        <p:spPr/>
+        <p:txBody>
+          <a:bodyPr/>
+          <a:lstStyle/>
+          <a:p>
+            <a:r>
+              <a:rPr lang="en-US" dirty="0"/>
+              <a:t>Sampling</a:t>
+            </a:r>
+          </a:p>
+        </p:txBody>
+      </p:sp>
+      <p:sp>
+        <p:nvSpPr>
+          <p:cNvPr id="3" name="Subtitle 2">
+            <a:extLst>
+              <a:ext uri="{FF2B5EF4-FFF2-40B4-BE49-F238E27FC236}">
+                <a16:creationId xmlns:a16="http://schemas.microsoft.com/office/drawing/2014/main" id="{41E9062C-01E1-EB4F-85C0-F0FE3CD27CAE}"/>
+              </a:ext>
+            </a:extLst>
+          </p:cNvPr>
+          <p:cNvSpPr>
+            <a:spLocks noGrp="1"/>
+          </p:cNvSpPr>
+          <p:nvPr>
+            <p:ph type="subTitle" idx="1"/>
+          </p:nvPr>
+        </p:nvSpPr>
+        <p:spPr/>
+        <p:txBody>
+          <a:bodyPr/>
+          <a:lstStyle/>
+          <a:p>
+            <a:r>
+              <a:rPr lang="en-US" dirty="0"/>
+              <a:t>The Actual Origin of Real-World Data</a:t>
+            </a:r>
+          </a:p>
+        </p:txBody>
+      </p:sp>
+    </p:spTree>
+    <p:extLst>
+      <p:ext uri="{BB962C8B-B14F-4D97-AF65-F5344CB8AC3E}">
+        <p14:creationId xmlns:p14="http://schemas.microsoft.com/office/powerpoint/2010/main" val="2419733776"/>
+      </p:ext>
+    </p:extLst>
+  </p:cSld>
+  <p:clrMapOvr>
+    <a:masterClrMapping/>
+  </p:clrMapOvr>
+</p:sld>
+</file>
+
+<file path=ppt/slides/slide25.xml><?xml version="1.0" encoding="utf-8"?>
+<p:sld xmlns:a="http://schemas.openxmlformats.org/drawingml/2006/main" xmlns:r="http://schemas.openxmlformats.org/officeDocument/2006/relationships" xmlns:p="http://schemas.openxmlformats.org/presentationml/2006/main">
+  <p:cSld>
+    <p:spTree>
+      <p:nvGrpSpPr>
+        <p:cNvPr id="1" name=""/>
+        <p:cNvGrpSpPr/>
+        <p:nvPr/>
+      </p:nvGrpSpPr>
+      <p:grpSpPr>
+        <a:xfrm>
+          <a:off x="0" y="0"/>
+          <a:ext cx="0" cy="0"/>
+          <a:chOff x="0" y="0"/>
+          <a:chExt cx="0" cy="0"/>
+        </a:xfrm>
+      </p:grpSpPr>
+      <p:sp>
+        <p:nvSpPr>
+          <p:cNvPr id="2" name="Title 1">
+            <a:extLst>
+              <a:ext uri="{FF2B5EF4-FFF2-40B4-BE49-F238E27FC236}">
+                <a16:creationId xmlns:a16="http://schemas.microsoft.com/office/drawing/2014/main" id="{8436F8DC-436E-714F-A82D-88EDA1C5055B}"/>
+              </a:ext>
+            </a:extLst>
+          </p:cNvPr>
+          <p:cNvSpPr>
+            <a:spLocks noGrp="1"/>
+          </p:cNvSpPr>
+          <p:nvPr>
+            <p:ph type="ctrTitle"/>
+          </p:nvPr>
+        </p:nvSpPr>
+        <p:spPr/>
+        <p:txBody>
+          <a:bodyPr/>
+          <a:lstStyle/>
+          <a:p>
+            <a:r>
+              <a:rPr lang="en-US" dirty="0"/>
+              <a:t>Curve Fitting</a:t>
+            </a:r>
+          </a:p>
+        </p:txBody>
+      </p:sp>
+      <p:sp>
+        <p:nvSpPr>
+          <p:cNvPr id="3" name="Subtitle 2">
+            <a:extLst>
+              <a:ext uri="{FF2B5EF4-FFF2-40B4-BE49-F238E27FC236}">
+                <a16:creationId xmlns:a16="http://schemas.microsoft.com/office/drawing/2014/main" id="{2E41E82F-A19C-714C-8D23-9D8DA6A5C1AF}"/>
+              </a:ext>
+            </a:extLst>
+          </p:cNvPr>
+          <p:cNvSpPr>
+            <a:spLocks noGrp="1"/>
+          </p:cNvSpPr>
+          <p:nvPr>
+            <p:ph type="subTitle" idx="1"/>
+          </p:nvPr>
+        </p:nvSpPr>
+        <p:spPr/>
+        <p:txBody>
+          <a:bodyPr/>
+          <a:lstStyle/>
+          <a:p>
+            <a:r>
+              <a:rPr lang="en-US" dirty="0"/>
+              <a:t>Do These Relationships Make Sense?</a:t>
+            </a:r>
+          </a:p>
+        </p:txBody>
+      </p:sp>
+    </p:spTree>
+    <p:extLst>
+      <p:ext uri="{BB962C8B-B14F-4D97-AF65-F5344CB8AC3E}">
+        <p14:creationId xmlns:p14="http://schemas.microsoft.com/office/powerpoint/2010/main" val="2270564297"/>
+      </p:ext>
+    </p:extLst>
+  </p:cSld>
+  <p:clrMapOvr>
+    <a:masterClrMapping/>
+  </p:clrMapOvr>
+</p:sld>
+</file>
+
+<file path=ppt/slides/slide26.xml><?xml version="1.0" encoding="utf-8"?>
+<p:sld xmlns:a="http://schemas.openxmlformats.org/drawingml/2006/main" xmlns:r="http://schemas.openxmlformats.org/officeDocument/2006/relationships" xmlns:p="http://schemas.openxmlformats.org/presentationml/2006/main">
+  <p:cSld>
+    <p:spTree>
+      <p:nvGrpSpPr>
+        <p:cNvPr id="1" name=""/>
+        <p:cNvGrpSpPr/>
+        <p:nvPr/>
+      </p:nvGrpSpPr>
+      <p:grpSpPr>
+        <a:xfrm>
+          <a:off x="0" y="0"/>
+          <a:ext cx="0" cy="0"/>
+          <a:chOff x="0" y="0"/>
+          <a:chExt cx="0" cy="0"/>
+        </a:xfrm>
+      </p:grpSpPr>
+      <p:sp>
+        <p:nvSpPr>
+          <p:cNvPr id="2" name="Title 1">
+            <a:extLst>
+              <a:ext uri="{FF2B5EF4-FFF2-40B4-BE49-F238E27FC236}">
+                <a16:creationId xmlns:a16="http://schemas.microsoft.com/office/drawing/2014/main" id="{09A1F8CC-3BAE-3A45-9610-EC2C4559FC13}"/>
+              </a:ext>
+            </a:extLst>
+          </p:cNvPr>
+          <p:cNvSpPr>
+            <a:spLocks noGrp="1"/>
+          </p:cNvSpPr>
+          <p:nvPr>
+            <p:ph type="title"/>
+          </p:nvPr>
+        </p:nvSpPr>
+        <p:spPr/>
+        <p:txBody>
+          <a:bodyPr/>
+          <a:lstStyle/>
+          <a:p>
+            <a:r>
+              <a:rPr lang="en-US" dirty="0"/>
+              <a:t>The Myth of Artificial Intelligence</a:t>
+            </a:r>
+          </a:p>
+        </p:txBody>
+      </p:sp>
+      <p:sp>
+        <p:nvSpPr>
+          <p:cNvPr id="3" name="Content Placeholder 2">
+            <a:extLst>
+              <a:ext uri="{FF2B5EF4-FFF2-40B4-BE49-F238E27FC236}">
+                <a16:creationId xmlns:a16="http://schemas.microsoft.com/office/drawing/2014/main" id="{A3E7CAF5-2B1B-2047-AC4D-5B1642E816E3}"/>
+              </a:ext>
+            </a:extLst>
+          </p:cNvPr>
+          <p:cNvSpPr>
+            <a:spLocks noGrp="1"/>
+          </p:cNvSpPr>
+          <p:nvPr>
+            <p:ph idx="1"/>
+          </p:nvPr>
+        </p:nvSpPr>
+        <p:spPr/>
+        <p:txBody>
+          <a:bodyPr/>
+          <a:lstStyle/>
+          <a:p>
+            <a:r>
+              <a:rPr lang="en-US" dirty="0"/>
+              <a:t>“Computers make excellent and efficient servants, but I have no wish to serve under them.” Mr. Spock on Star Trek.</a:t>
+            </a:r>
+          </a:p>
+          <a:p>
+            <a:r>
+              <a:rPr lang="en-US" dirty="0"/>
+              <a:t>For the difficult questions that we face in CRE, there is no artificial intelligence.  We have tools, and you must put the human back into machine learning.</a:t>
+            </a:r>
+          </a:p>
+          <a:p>
+            <a:r>
+              <a:rPr lang="en-US" dirty="0"/>
+              <a:t>You must think about relationships given your domain knowledge in real estate.</a:t>
+            </a:r>
+          </a:p>
+          <a:p>
+            <a:pPr lvl="1"/>
+            <a:r>
+              <a:rPr lang="en-US" dirty="0"/>
+              <a:t>Finance: Can you predict interest rates?</a:t>
+            </a:r>
+          </a:p>
+          <a:p>
+            <a:pPr lvl="1"/>
+            <a:r>
+              <a:rPr lang="en-US" dirty="0"/>
+              <a:t>Development: Can you predict labor costs?</a:t>
+            </a:r>
+          </a:p>
+        </p:txBody>
+      </p:sp>
+    </p:spTree>
+    <p:extLst>
+      <p:ext uri="{BB962C8B-B14F-4D97-AF65-F5344CB8AC3E}">
+        <p14:creationId xmlns:p14="http://schemas.microsoft.com/office/powerpoint/2010/main" val="2871608775"/>
       </p:ext>
     </p:extLst>
   </p:cSld>
@@ -4944,13 +5863,20 @@
         <p:spPr/>
         <p:txBody>
           <a:bodyPr>
-            <a:normAutofit lnSpcReduction="10000"/>
+            <a:normAutofit/>
           </a:bodyPr>
           <a:lstStyle/>
           <a:p>
             <a:r>
               <a:rPr lang="en-US" dirty="0"/>
               <a:t>My goals</a:t>
+            </a:r>
+          </a:p>
+          <a:p>
+            <a:pPr lvl="1"/>
+            <a:r>
+              <a:rPr lang="en-US" dirty="0"/>
+              <a:t>Develop a common language among us.</a:t>
             </a:r>
           </a:p>
           <a:p>
@@ -4979,7 +5905,7 @@
             <a:pPr lvl="2"/>
             <a:r>
               <a:rPr lang="en-US" dirty="0"/>
-              <a:t>I will be using some Python graphics in class.</a:t>
+              <a:t>I will be using some Python graphics in class.  You are not responsible for Python.</a:t>
             </a:r>
           </a:p>
           <a:p>
@@ -5020,15 +5946,26 @@
             </a:r>
           </a:p>
           <a:p>
-            <a:r>
-              <a:rPr lang="en-US" dirty="0"/>
-              <a:t>Let’s review the syllabus.</a:t>
-            </a:r>
-          </a:p>
-          <a:p>
-            <a:r>
-              <a:rPr lang="en-US" dirty="0"/>
-              <a:t>Let’s discuss your goals. </a:t>
+            <a:pPr lvl="1"/>
+            <a:r>
+              <a:rPr lang="en-US" dirty="0"/>
+              <a:t>I know of </a:t>
+            </a:r>
+            <a:r>
+              <a:rPr lang="en-US" u="sng" dirty="0"/>
+              <a:t>no other way</a:t>
+            </a:r>
+            <a:r>
+              <a:rPr lang="en-US" dirty="0"/>
+              <a:t> to learn data analytics than to </a:t>
+            </a:r>
+            <a:r>
+              <a:rPr lang="en-US" u="sng" dirty="0"/>
+              <a:t>do it repeatedly</a:t>
+            </a:r>
+            <a:r>
+              <a:rPr lang="en-US" dirty="0"/>
+              <a:t>.</a:t>
             </a:r>
           </a:p>
         </p:txBody>
@@ -5068,7 +6005,7 @@
           <p:cNvPr id="2" name="Title 1">
             <a:extLst>
               <a:ext uri="{FF2B5EF4-FFF2-40B4-BE49-F238E27FC236}">
-                <a16:creationId xmlns:a16="http://schemas.microsoft.com/office/drawing/2014/main" id="{AB6EFB3C-D82A-804F-917C-7C7F5FFEF8BD}"/>
+                <a16:creationId xmlns:a16="http://schemas.microsoft.com/office/drawing/2014/main" id="{1D81AC32-0FB5-5C4A-9B24-2429FCD698EF}"/>
               </a:ext>
             </a:extLst>
           </p:cNvPr>
@@ -5086,14 +6023,7 @@
           <a:p>
             <a:r>
               <a:rPr lang="en-US" dirty="0"/>
-              <a:t>Introduction to R </a:t>
-            </a:r>
-            <a:br>
-              <a:rPr lang="en-US" dirty="0"/>
-            </a:br>
-            <a:r>
-              <a:rPr lang="en-US" dirty="0"/>
-              <a:t>and R Studio</a:t>
+              <a:t>Review the Syllabus</a:t>
             </a:r>
           </a:p>
         </p:txBody>
@@ -5103,7 +6033,7 @@
           <p:cNvPr id="3" name="Subtitle 2">
             <a:extLst>
               <a:ext uri="{FF2B5EF4-FFF2-40B4-BE49-F238E27FC236}">
-                <a16:creationId xmlns:a16="http://schemas.microsoft.com/office/drawing/2014/main" id="{A09BBCB1-2983-FE44-8675-DAECA4D923E6}"/>
+                <a16:creationId xmlns:a16="http://schemas.microsoft.com/office/drawing/2014/main" id="{46581A8B-49DC-3C42-AAEC-6F823011D9DF}"/>
               </a:ext>
             </a:extLst>
           </p:cNvPr>
@@ -5119,17 +6049,14 @@
           <a:bodyPr/>
           <a:lstStyle/>
           <a:p>
-            <a:r>
-              <a:rPr lang="en-US" dirty="0"/>
-              <a:t>Exploring Data with R</a:t>
-            </a:r>
+            <a:endParaRPr lang="en-US"/>
           </a:p>
         </p:txBody>
       </p:sp>
     </p:spTree>
     <p:extLst>
       <p:ext uri="{BB962C8B-B14F-4D97-AF65-F5344CB8AC3E}">
-        <p14:creationId xmlns:p14="http://schemas.microsoft.com/office/powerpoint/2010/main" val="668678391"/>
+        <p14:creationId xmlns:p14="http://schemas.microsoft.com/office/powerpoint/2010/main" val="3290970611"/>
       </p:ext>
     </p:extLst>
   </p:cSld>
@@ -5161,138 +6088,58 @@
           <p:cNvPr id="2" name="Title 1">
             <a:extLst>
               <a:ext uri="{FF2B5EF4-FFF2-40B4-BE49-F238E27FC236}">
-                <a16:creationId xmlns:a16="http://schemas.microsoft.com/office/drawing/2014/main" id="{FE212BFC-E0C1-7547-AB3C-0D25D589A21E}"/>
-              </a:ext>
-            </a:extLst>
-          </p:cNvPr>
-          <p:cNvSpPr>
-            <a:spLocks noGrp="1"/>
-          </p:cNvSpPr>
-          <p:nvPr>
-            <p:ph type="title"/>
-          </p:nvPr>
-        </p:nvSpPr>
-        <p:spPr/>
-        <p:txBody>
-          <a:bodyPr/>
-          <a:lstStyle/>
-          <a:p>
-            <a:r>
-              <a:rPr lang="en-US" dirty="0"/>
-              <a:t>Foundational Concepts: </a:t>
-            </a:r>
-            <a:br>
-              <a:rPr lang="en-US" dirty="0"/>
-            </a:br>
-            <a:r>
-              <a:rPr lang="en-US" dirty="0"/>
-              <a:t>Probability and Statistics</a:t>
-            </a:r>
-          </a:p>
-        </p:txBody>
-      </p:sp>
-      <p:sp>
-        <p:nvSpPr>
-          <p:cNvPr id="3" name="Content Placeholder 2">
-            <a:extLst>
-              <a:ext uri="{FF2B5EF4-FFF2-40B4-BE49-F238E27FC236}">
-                <a16:creationId xmlns:a16="http://schemas.microsoft.com/office/drawing/2014/main" id="{267AD530-0EDF-C94F-9C4E-9D24436B9057}"/>
-              </a:ext>
-            </a:extLst>
-          </p:cNvPr>
-          <p:cNvSpPr>
-            <a:spLocks noGrp="1"/>
-          </p:cNvSpPr>
-          <p:nvPr>
-            <p:ph idx="1"/>
-          </p:nvPr>
-        </p:nvSpPr>
-        <p:spPr/>
-        <p:txBody>
-          <a:bodyPr/>
-          <a:lstStyle/>
-          <a:p>
-            <a:r>
-              <a:rPr lang="en-US" dirty="0"/>
-              <a:t>A random experiment.</a:t>
-            </a:r>
-          </a:p>
-          <a:p>
-            <a:pPr lvl="1"/>
-            <a:r>
-              <a:rPr lang="en-US" dirty="0"/>
-              <a:t>An action or a process of something inherently unknowable before the fact (ex ante), such as flipping a coin or rolling a die.</a:t>
-            </a:r>
-          </a:p>
-          <a:p>
-            <a:pPr lvl="1"/>
-            <a:r>
-              <a:rPr lang="en-US" dirty="0"/>
-              <a:t>Others?</a:t>
-            </a:r>
-          </a:p>
-          <a:p>
-            <a:r>
-              <a:rPr lang="en-US" dirty="0"/>
-              <a:t>Sample space, often called Omega (or </a:t>
-            </a:r>
-            <a:r>
-              <a:rPr lang="el-GR" dirty="0"/>
-              <a:t>Ω</a:t>
-            </a:r>
-            <a:r>
-              <a:rPr lang="en-US" dirty="0"/>
-              <a:t>).</a:t>
-            </a:r>
-          </a:p>
-          <a:p>
-            <a:pPr lvl="1"/>
-            <a:r>
-              <a:rPr lang="en-US" dirty="0"/>
-              <a:t>The set of </a:t>
-            </a:r>
-            <a:r>
-              <a:rPr lang="en-US" u="sng" dirty="0"/>
-              <a:t>all possible outcomes</a:t>
-            </a:r>
-            <a:r>
-              <a:rPr lang="en-US" dirty="0"/>
-              <a:t> of an experiment.</a:t>
-            </a:r>
-          </a:p>
-          <a:p>
-            <a:pPr lvl="2"/>
-            <a:r>
-              <a:rPr lang="en-US" dirty="0"/>
-              <a:t>Finite: number of sales of particular office building.</a:t>
-            </a:r>
-          </a:p>
-          <a:p>
-            <a:pPr lvl="2"/>
-            <a:r>
-              <a:rPr lang="en-US" dirty="0"/>
-              <a:t>Infinite: price paid for a particular office building.</a:t>
-            </a:r>
-          </a:p>
-          <a:p>
-            <a:pPr lvl="1"/>
-            <a:r>
-              <a:rPr lang="en-US" dirty="0"/>
-              <a:t>Others?</a:t>
-            </a:r>
-          </a:p>
-          <a:p>
-            <a:r>
-              <a:rPr lang="en-US" dirty="0"/>
-              <a:t>Events, E and F.</a:t>
-            </a:r>
+                <a16:creationId xmlns:a16="http://schemas.microsoft.com/office/drawing/2014/main" id="{2AB2580B-5513-1A42-B648-0834F143A2CC}"/>
+              </a:ext>
+            </a:extLst>
+          </p:cNvPr>
+          <p:cNvSpPr>
+            <a:spLocks noGrp="1"/>
+          </p:cNvSpPr>
+          <p:nvPr>
+            <p:ph type="ctrTitle"/>
+          </p:nvPr>
+        </p:nvSpPr>
+        <p:spPr/>
+        <p:txBody>
+          <a:bodyPr/>
+          <a:lstStyle/>
+          <a:p>
+            <a:r>
+              <a:rPr lang="en-US" dirty="0"/>
+              <a:t>Discuss Your Goals</a:t>
+            </a:r>
+          </a:p>
+        </p:txBody>
+      </p:sp>
+      <p:sp>
+        <p:nvSpPr>
+          <p:cNvPr id="3" name="Subtitle 2">
+            <a:extLst>
+              <a:ext uri="{FF2B5EF4-FFF2-40B4-BE49-F238E27FC236}">
+                <a16:creationId xmlns:a16="http://schemas.microsoft.com/office/drawing/2014/main" id="{A0F845D5-5673-6E40-B4C8-5E61B548F47B}"/>
+              </a:ext>
+            </a:extLst>
+          </p:cNvPr>
+          <p:cNvSpPr>
+            <a:spLocks noGrp="1"/>
+          </p:cNvSpPr>
+          <p:nvPr>
+            <p:ph type="subTitle" idx="1"/>
+          </p:nvPr>
+        </p:nvSpPr>
+        <p:spPr/>
+        <p:txBody>
+          <a:bodyPr/>
+          <a:lstStyle/>
+          <a:p>
+            <a:endParaRPr lang="en-US"/>
           </a:p>
         </p:txBody>
       </p:sp>
     </p:spTree>
     <p:extLst>
       <p:ext uri="{BB962C8B-B14F-4D97-AF65-F5344CB8AC3E}">
-        <p14:creationId xmlns:p14="http://schemas.microsoft.com/office/powerpoint/2010/main" val="3168534250"/>
+        <p14:creationId xmlns:p14="http://schemas.microsoft.com/office/powerpoint/2010/main" val="3360127989"/>
       </p:ext>
     </p:extLst>
   </p:cSld>
@@ -5324,95 +6171,60 @@
           <p:cNvPr id="2" name="Title 1">
             <a:extLst>
               <a:ext uri="{FF2B5EF4-FFF2-40B4-BE49-F238E27FC236}">
-                <a16:creationId xmlns:a16="http://schemas.microsoft.com/office/drawing/2014/main" id="{F2EBDAAF-7714-DC4C-9636-92E6C3BD9284}"/>
-              </a:ext>
-            </a:extLst>
-          </p:cNvPr>
-          <p:cNvSpPr>
-            <a:spLocks noGrp="1"/>
-          </p:cNvSpPr>
-          <p:nvPr>
-            <p:ph type="title"/>
-          </p:nvPr>
-        </p:nvSpPr>
-        <p:spPr/>
-        <p:txBody>
-          <a:bodyPr/>
-          <a:lstStyle/>
-          <a:p>
-            <a:r>
-              <a:rPr lang="en-US" dirty="0"/>
-              <a:t>Basic Set Theory</a:t>
-            </a:r>
-          </a:p>
-        </p:txBody>
-      </p:sp>
-      <p:sp>
-        <p:nvSpPr>
-          <p:cNvPr id="3" name="Content Placeholder 2">
-            <a:extLst>
-              <a:ext uri="{FF2B5EF4-FFF2-40B4-BE49-F238E27FC236}">
-                <a16:creationId xmlns:a16="http://schemas.microsoft.com/office/drawing/2014/main" id="{D48C9432-56FA-C548-8CD1-964D436BD115}"/>
-              </a:ext>
-            </a:extLst>
-          </p:cNvPr>
-          <p:cNvSpPr>
-            <a:spLocks noGrp="1"/>
-          </p:cNvSpPr>
-          <p:nvPr>
-            <p:ph idx="1"/>
-          </p:nvPr>
-        </p:nvSpPr>
-        <p:spPr/>
-        <p:txBody>
-          <a:bodyPr/>
-          <a:lstStyle/>
-          <a:p>
-            <a:r>
-              <a:rPr lang="en-US" dirty="0"/>
-              <a:t>Two events, denoted E and F.  E could be {heads} from a coin flip.  F could be {tails} from a coin flip.</a:t>
-            </a:r>
-          </a:p>
-          <a:p>
-            <a:r>
-              <a:rPr lang="en-US" dirty="0"/>
-              <a:t>Three interactions that describe most interesting aspects.</a:t>
-            </a:r>
-          </a:p>
-          <a:p>
-            <a:pPr lvl="1"/>
-            <a:r>
-              <a:rPr lang="en-US" dirty="0"/>
-              <a:t>E ∪ F: E intersect F</a:t>
-            </a:r>
-          </a:p>
-          <a:p>
-            <a:pPr lvl="1"/>
-            <a:r>
-              <a:rPr lang="en-US" dirty="0"/>
-              <a:t>E ∩ F: E union F</a:t>
-            </a:r>
-          </a:p>
-          <a:p>
-            <a:pPr lvl="1"/>
-            <a:r>
-              <a:rPr lang="en-US" dirty="0"/>
-              <a:t>E</a:t>
-            </a:r>
-            <a:r>
-              <a:rPr lang="en-US" baseline="30000" dirty="0"/>
-              <a:t>C</a:t>
-            </a:r>
-            <a:r>
-              <a:rPr lang="en-US" dirty="0"/>
-              <a:t>: Not E (E compliment)</a:t>
-            </a:r>
-          </a:p>
-          <a:p>
-            <a:pPr lvl="1"/>
-            <a:r>
-              <a:rPr lang="en-US" dirty="0"/>
-              <a:t>Venn diagrams</a:t>
+                <a16:creationId xmlns:a16="http://schemas.microsoft.com/office/drawing/2014/main" id="{AB6EFB3C-D82A-804F-917C-7C7F5FFEF8BD}"/>
+              </a:ext>
+            </a:extLst>
+          </p:cNvPr>
+          <p:cNvSpPr>
+            <a:spLocks noGrp="1"/>
+          </p:cNvSpPr>
+          <p:nvPr>
+            <p:ph type="ctrTitle"/>
+          </p:nvPr>
+        </p:nvSpPr>
+        <p:spPr/>
+        <p:txBody>
+          <a:bodyPr/>
+          <a:lstStyle/>
+          <a:p>
+            <a:r>
+              <a:rPr lang="en-US" dirty="0"/>
+              <a:t>Introduction to R </a:t>
+            </a:r>
+            <a:br>
+              <a:rPr lang="en-US" dirty="0"/>
+            </a:br>
+            <a:r>
+              <a:rPr lang="en-US" dirty="0"/>
+              <a:t>and R Studio</a:t>
+            </a:r>
+          </a:p>
+        </p:txBody>
+      </p:sp>
+      <p:sp>
+        <p:nvSpPr>
+          <p:cNvPr id="3" name="Subtitle 2">
+            <a:extLst>
+              <a:ext uri="{FF2B5EF4-FFF2-40B4-BE49-F238E27FC236}">
+                <a16:creationId xmlns:a16="http://schemas.microsoft.com/office/drawing/2014/main" id="{A09BBCB1-2983-FE44-8675-DAECA4D923E6}"/>
+              </a:ext>
+            </a:extLst>
+          </p:cNvPr>
+          <p:cNvSpPr>
+            <a:spLocks noGrp="1"/>
+          </p:cNvSpPr>
+          <p:nvPr>
+            <p:ph type="subTitle" idx="1"/>
+          </p:nvPr>
+        </p:nvSpPr>
+        <p:spPr/>
+        <p:txBody>
+          <a:bodyPr/>
+          <a:lstStyle/>
+          <a:p>
+            <a:r>
+              <a:rPr lang="en-US" dirty="0"/>
+              <a:t>Exploring data with R</a:t>
             </a:r>
           </a:p>
         </p:txBody>
@@ -5420,7 +6232,7 @@
     </p:spTree>
     <p:extLst>
       <p:ext uri="{BB962C8B-B14F-4D97-AF65-F5344CB8AC3E}">
-        <p14:creationId xmlns:p14="http://schemas.microsoft.com/office/powerpoint/2010/main" val="3716963202"/>
+        <p14:creationId xmlns:p14="http://schemas.microsoft.com/office/powerpoint/2010/main" val="668678391"/>
       </p:ext>
     </p:extLst>
   </p:cSld>
@@ -5452,7 +6264,7 @@
           <p:cNvPr id="2" name="Title 1">
             <a:extLst>
               <a:ext uri="{FF2B5EF4-FFF2-40B4-BE49-F238E27FC236}">
-                <a16:creationId xmlns:a16="http://schemas.microsoft.com/office/drawing/2014/main" id="{4C907ABD-CEB0-5745-B30E-C266163BDC49}"/>
+                <a16:creationId xmlns:a16="http://schemas.microsoft.com/office/drawing/2014/main" id="{FE212BFC-E0C1-7547-AB3C-0D25D589A21E}"/>
               </a:ext>
             </a:extLst>
           </p:cNvPr>
@@ -5470,7 +6282,14 @@
           <a:p>
             <a:r>
               <a:rPr lang="en-US" dirty="0"/>
-              <a:t>What Is Probability?</a:t>
+              <a:t>Foundational Concepts: </a:t>
+            </a:r>
+            <a:br>
+              <a:rPr lang="en-US" dirty="0"/>
+            </a:br>
+            <a:r>
+              <a:rPr lang="en-US" dirty="0"/>
+              <a:t>Probability and Statistics</a:t>
             </a:r>
           </a:p>
         </p:txBody>
@@ -5480,7 +6299,7 @@
           <p:cNvPr id="3" name="Content Placeholder 2">
             <a:extLst>
               <a:ext uri="{FF2B5EF4-FFF2-40B4-BE49-F238E27FC236}">
-                <a16:creationId xmlns:a16="http://schemas.microsoft.com/office/drawing/2014/main" id="{C8DB0EE6-2282-1D41-96BF-A782C15005CA}"/>
+                <a16:creationId xmlns:a16="http://schemas.microsoft.com/office/drawing/2014/main" id="{267AD530-0EDF-C94F-9C4E-9D24436B9057}"/>
               </a:ext>
             </a:extLst>
           </p:cNvPr>
@@ -5498,65 +6317,93 @@
           <a:p>
             <a:r>
               <a:rPr lang="en-US" dirty="0"/>
-              <a:t>Classical view of probability of an event arose from gambling.  </a:t>
+              <a:t>A random experiment.</a:t>
             </a:r>
           </a:p>
           <a:p>
             <a:pPr lvl="1"/>
             <a:r>
               <a:rPr lang="en-US" dirty="0"/>
-              <a:t>Coin flip.</a:t>
+              <a:t>An action or a process of something </a:t>
+            </a:r>
+            <a:r>
+              <a:rPr lang="en-US" u="sng" dirty="0"/>
+              <a:t>inherently unknowable</a:t>
+            </a:r>
+            <a:r>
+              <a:rPr lang="en-US" dirty="0"/>
+              <a:t> before the fact (ex ante), such as flipping a coin or rolling a die.</a:t>
             </a:r>
           </a:p>
           <a:p>
             <a:pPr lvl="1"/>
             <a:r>
               <a:rPr lang="en-US" dirty="0"/>
-              <a:t>Die roll.</a:t>
+              <a:t>Others?</a:t>
+            </a:r>
+          </a:p>
+          <a:p>
+            <a:r>
+              <a:rPr lang="en-US" dirty="0"/>
+              <a:t>Sample space, often called Omega (or </a:t>
+            </a:r>
+            <a:r>
+              <a:rPr lang="el-GR" dirty="0"/>
+              <a:t>Ω</a:t>
+            </a:r>
+            <a:r>
+              <a:rPr lang="en-US" dirty="0"/>
+              <a:t>).</a:t>
             </a:r>
           </a:p>
           <a:p>
             <a:pPr lvl="1"/>
             <a:r>
               <a:rPr lang="en-US" dirty="0"/>
-              <a:t>A card in black jack.</a:t>
-            </a:r>
-          </a:p>
-          <a:p>
-            <a:r>
-              <a:rPr lang="en-US" dirty="0"/>
-              <a:t>Classical view of probability is based on a history of outcomes from some experiment.</a:t>
+              <a:t>The set of </a:t>
+            </a:r>
+            <a:r>
+              <a:rPr lang="en-US" u="sng" dirty="0"/>
+              <a:t>all possible outcomes</a:t>
+            </a:r>
+            <a:r>
+              <a:rPr lang="en-US" dirty="0"/>
+              <a:t> of an experiment.</a:t>
+            </a:r>
+          </a:p>
+          <a:p>
+            <a:pPr lvl="2"/>
+            <a:r>
+              <a:rPr lang="en-US" u="sng" dirty="0"/>
+              <a:t>Finite</a:t>
+            </a:r>
+            <a:r>
+              <a:rPr lang="en-US" dirty="0"/>
+              <a:t>: number of sales of particular office building.</a:t>
+            </a:r>
+          </a:p>
+          <a:p>
+            <a:pPr lvl="2"/>
+            <a:r>
+              <a:rPr lang="en-US" u="sng" dirty="0"/>
+              <a:t>Infinite</a:t>
+            </a:r>
+            <a:r>
+              <a:rPr lang="en-US" dirty="0"/>
+              <a:t>: price paid for a particular office building.</a:t>
             </a:r>
           </a:p>
           <a:p>
             <a:pPr lvl="1"/>
             <a:r>
               <a:rPr lang="en-US" dirty="0"/>
-              <a:t>Daily changes in stock prices or the NASDAQ.</a:t>
-            </a:r>
-          </a:p>
-          <a:p>
-            <a:pPr lvl="1"/>
-            <a:r>
-              <a:rPr lang="en-US" dirty="0"/>
-              <a:t>Quarterly changes in NCREIF returns.</a:t>
-            </a:r>
-          </a:p>
-          <a:p>
-            <a:r>
-              <a:rPr lang="en-US" dirty="0"/>
-              <a:t>Classical view is a relative frequent of past outcomes.</a:t>
-            </a:r>
-          </a:p>
-          <a:p>
-            <a:pPr lvl="1"/>
-            <a:r>
-              <a:rPr lang="en-US" dirty="0" err="1"/>
-              <a:t>Pr</a:t>
-            </a:r>
-            <a:r>
-              <a:rPr lang="en-US" dirty="0"/>
-              <a:t>(E) = number of times E has occurred / all possible historical outcomes</a:t>
+              <a:t>Others?</a:t>
+            </a:r>
+          </a:p>
+          <a:p>
+            <a:r>
+              <a:rPr lang="en-US" dirty="0"/>
+              <a:t>Events, E and F.</a:t>
             </a:r>
           </a:p>
         </p:txBody>
@@ -5564,7 +6411,7 @@
     </p:spTree>
     <p:extLst>
       <p:ext uri="{BB962C8B-B14F-4D97-AF65-F5344CB8AC3E}">
-        <p14:creationId xmlns:p14="http://schemas.microsoft.com/office/powerpoint/2010/main" val="2439166187"/>
+        <p14:creationId xmlns:p14="http://schemas.microsoft.com/office/powerpoint/2010/main" val="3168534250"/>
       </p:ext>
     </p:extLst>
   </p:cSld>
@@ -5596,7 +6443,7 @@
           <p:cNvPr id="2" name="Title 1">
             <a:extLst>
               <a:ext uri="{FF2B5EF4-FFF2-40B4-BE49-F238E27FC236}">
-                <a16:creationId xmlns:a16="http://schemas.microsoft.com/office/drawing/2014/main" id="{EC6F9BFB-3A72-E14F-B226-2B73D80E8E19}"/>
+                <a16:creationId xmlns:a16="http://schemas.microsoft.com/office/drawing/2014/main" id="{F2EBDAAF-7714-DC4C-9636-92E6C3BD9284}"/>
               </a:ext>
             </a:extLst>
           </p:cNvPr>
@@ -5614,7 +6461,7 @@
           <a:p>
             <a:r>
               <a:rPr lang="en-US" dirty="0"/>
-              <a:t>Axioms of Probability</a:t>
+              <a:t>Basic Set Theory</a:t>
             </a:r>
           </a:p>
         </p:txBody>
@@ -5624,7 +6471,7 @@
           <p:cNvPr id="3" name="Content Placeholder 2">
             <a:extLst>
               <a:ext uri="{FF2B5EF4-FFF2-40B4-BE49-F238E27FC236}">
-                <a16:creationId xmlns:a16="http://schemas.microsoft.com/office/drawing/2014/main" id="{8B5FC709-149F-2243-8F84-9B28C09577D2}"/>
+                <a16:creationId xmlns:a16="http://schemas.microsoft.com/office/drawing/2014/main" id="{D48C9432-56FA-C548-8CD1-964D436BD115}"/>
               </a:ext>
             </a:extLst>
           </p:cNvPr>
@@ -5637,83 +6484,39 @@
         </p:nvSpPr>
         <p:spPr/>
         <p:txBody>
-          <a:bodyPr>
-            <a:normAutofit lnSpcReduction="10000"/>
-          </a:bodyPr>
-          <a:lstStyle/>
-          <a:p>
-            <a:r>
-              <a:rPr lang="en-US" dirty="0" err="1"/>
-              <a:t>Pr</a:t>
-            </a:r>
-            <a:r>
-              <a:rPr lang="en-US" dirty="0"/>
-              <a:t>(E) is bounded between 0 and 1 (or 0 and 100%).</a:t>
-            </a:r>
-          </a:p>
-          <a:p>
-            <a:r>
-              <a:rPr lang="en-US" dirty="0" err="1"/>
-              <a:t>Pr</a:t>
-            </a:r>
-            <a:r>
-              <a:rPr lang="en-US" dirty="0"/>
-              <a:t>(</a:t>
-            </a:r>
-            <a:r>
-              <a:rPr lang="el-GR" dirty="0"/>
-              <a:t>Ω</a:t>
-            </a:r>
-            <a:r>
-              <a:rPr lang="en-US" dirty="0"/>
-              <a:t>) = 1 by definition.</a:t>
-            </a:r>
-          </a:p>
-          <a:p>
-            <a:r>
-              <a:rPr lang="en-US" dirty="0"/>
-              <a:t>If E and F are independent events, </a:t>
-            </a:r>
-            <a:r>
-              <a:rPr lang="en-US" dirty="0" err="1"/>
-              <a:t>Pr</a:t>
-            </a:r>
-            <a:r>
-              <a:rPr lang="en-US" dirty="0"/>
-              <a:t>(E ∪ F) = </a:t>
-            </a:r>
-            <a:r>
-              <a:rPr lang="en-US" dirty="0" err="1"/>
-              <a:t>Pr</a:t>
-            </a:r>
-            <a:r>
-              <a:rPr lang="en-US" dirty="0"/>
-              <a:t>(E) + </a:t>
-            </a:r>
-            <a:r>
-              <a:rPr lang="en-US" dirty="0" err="1"/>
-              <a:t>Pr</a:t>
-            </a:r>
-            <a:r>
-              <a:rPr lang="en-US" dirty="0"/>
-              <a:t>(F).</a:t>
-            </a:r>
-          </a:p>
-          <a:p>
-            <a:r>
-              <a:rPr lang="en-US" dirty="0"/>
-              <a:t>Hence:</a:t>
+          <a:bodyPr/>
+          <a:lstStyle/>
+          <a:p>
+            <a:r>
+              <a:rPr lang="en-US" dirty="0"/>
+              <a:t>Two events, denoted E and F.  E could be {heads} from a coin flip.  F could be {tails} from a coin flip.</a:t>
+            </a:r>
+          </a:p>
+          <a:p>
+            <a:r>
+              <a:rPr lang="en-US" dirty="0"/>
+              <a:t>Three interactions that describe most interesting aspects.</a:t>
             </a:r>
           </a:p>
           <a:p>
             <a:pPr lvl="1"/>
             <a:r>
-              <a:rPr lang="en-US" dirty="0" err="1"/>
-              <a:t>Pr</a:t>
-            </a:r>
-            <a:r>
-              <a:rPr lang="en-US" dirty="0"/>
-              <a:t>(E</a:t>
+              <a:rPr lang="en-US" dirty="0"/>
+              <a:t>E ∪ F: E intersect F</a:t>
+            </a:r>
+          </a:p>
+          <a:p>
+            <a:pPr lvl="1"/>
+            <a:r>
+              <a:rPr lang="en-US" dirty="0"/>
+              <a:t>E ∩ F: E union F</a:t>
+            </a:r>
+          </a:p>
+          <a:p>
+            <a:pPr lvl="1"/>
+            <a:r>
+              <a:rPr lang="en-US" dirty="0"/>
+              <a:t>E</a:t>
             </a:r>
             <a:r>
               <a:rPr lang="en-US" baseline="30000" dirty="0"/>
@@ -5721,86 +6524,14 @@
             </a:r>
             <a:r>
               <a:rPr lang="en-US" dirty="0"/>
-              <a:t>) = 1 – </a:t>
-            </a:r>
-            <a:r>
-              <a:rPr lang="en-US" dirty="0" err="1"/>
-              <a:t>Pr</a:t>
-            </a:r>
-            <a:r>
-              <a:rPr lang="en-US" dirty="0"/>
-              <a:t>(E)</a:t>
+              <a:t>: Not E (E compliment)</a:t>
             </a:r>
           </a:p>
           <a:p>
             <a:pPr lvl="1"/>
             <a:r>
-              <a:rPr lang="en-US" dirty="0" err="1"/>
-              <a:t>Pr</a:t>
-            </a:r>
-            <a:r>
-              <a:rPr lang="en-US" dirty="0"/>
-              <a:t>(E ∪ F) = </a:t>
-            </a:r>
-            <a:r>
-              <a:rPr lang="en-US" dirty="0" err="1"/>
-              <a:t>Pr</a:t>
-            </a:r>
-            <a:r>
-              <a:rPr lang="en-US" dirty="0"/>
-              <a:t>(E) + </a:t>
-            </a:r>
-            <a:r>
-              <a:rPr lang="en-US" dirty="0" err="1"/>
-              <a:t>Pr</a:t>
-            </a:r>
-            <a:r>
-              <a:rPr lang="en-US" dirty="0"/>
-              <a:t>(F) - </a:t>
-            </a:r>
-            <a:r>
-              <a:rPr lang="en-US" dirty="0" err="1"/>
-              <a:t>Pr</a:t>
-            </a:r>
-            <a:r>
-              <a:rPr lang="en-US" dirty="0"/>
-              <a:t>(E ∩ F)</a:t>
-            </a:r>
-          </a:p>
-          <a:p>
-            <a:pPr lvl="1"/>
-            <a:r>
-              <a:rPr lang="en-US" dirty="0"/>
-              <a:t>If E ⊂ F, </a:t>
-            </a:r>
-            <a:r>
-              <a:rPr lang="en-US" dirty="0" err="1"/>
-              <a:t>Pr</a:t>
-            </a:r>
-            <a:r>
-              <a:rPr lang="en-US" dirty="0"/>
-              <a:t>(E) ≤ </a:t>
-            </a:r>
-            <a:r>
-              <a:rPr lang="en-US" dirty="0" err="1"/>
-              <a:t>Pr</a:t>
-            </a:r>
-            <a:r>
-              <a:rPr lang="en-US" dirty="0"/>
-              <a:t>(F).</a:t>
-            </a:r>
-          </a:p>
-          <a:p>
-            <a:r>
-              <a:rPr lang="en-US" dirty="0"/>
-              <a:t>A simple example.</a:t>
-            </a:r>
-          </a:p>
-          <a:p>
-            <a:pPr lvl="1"/>
-            <a:r>
-              <a:rPr lang="en-US" dirty="0"/>
-              <a:t>Suppose a Schack classroom has M students.  What is the probability at least two of them have the same birthdays? </a:t>
+              <a:rPr lang="en-US" dirty="0"/>
+              <a:t>Venn diagrams</a:t>
             </a:r>
           </a:p>
         </p:txBody>
@@ -5808,7 +6539,7 @@
     </p:spTree>
     <p:extLst>
       <p:ext uri="{BB962C8B-B14F-4D97-AF65-F5344CB8AC3E}">
-        <p14:creationId xmlns:p14="http://schemas.microsoft.com/office/powerpoint/2010/main" val="2585261456"/>
+        <p14:creationId xmlns:p14="http://schemas.microsoft.com/office/powerpoint/2010/main" val="3716963202"/>
       </p:ext>
     </p:extLst>
   </p:cSld>
@@ -5840,7 +6571,7 @@
           <p:cNvPr id="2" name="Title 1">
             <a:extLst>
               <a:ext uri="{FF2B5EF4-FFF2-40B4-BE49-F238E27FC236}">
-                <a16:creationId xmlns:a16="http://schemas.microsoft.com/office/drawing/2014/main" id="{3D3B6717-F745-1141-B46E-89C2A33435AA}"/>
+                <a16:creationId xmlns:a16="http://schemas.microsoft.com/office/drawing/2014/main" id="{4C907ABD-CEB0-5745-B30E-C266163BDC49}"/>
               </a:ext>
             </a:extLst>
           </p:cNvPr>
@@ -5858,7 +6589,7 @@
           <a:p>
             <a:r>
               <a:rPr lang="en-US" dirty="0"/>
-              <a:t>Conditional Probability</a:t>
+              <a:t>What Is Probability?</a:t>
             </a:r>
           </a:p>
         </p:txBody>
@@ -5868,7 +6599,7 @@
           <p:cNvPr id="3" name="Content Placeholder 2">
             <a:extLst>
               <a:ext uri="{FF2B5EF4-FFF2-40B4-BE49-F238E27FC236}">
-                <a16:creationId xmlns:a16="http://schemas.microsoft.com/office/drawing/2014/main" id="{C4E942C5-218A-5C44-9B7A-E03CB18CEE8D}"/>
+                <a16:creationId xmlns:a16="http://schemas.microsoft.com/office/drawing/2014/main" id="{C8DB0EE6-2282-1D41-96BF-A782C15005CA}"/>
               </a:ext>
             </a:extLst>
           </p:cNvPr>
@@ -5886,19 +6617,54 @@
           <a:p>
             <a:r>
               <a:rPr lang="en-US" dirty="0"/>
-              <a:t>Conditional probability lies at the heart of data science.</a:t>
-            </a:r>
-          </a:p>
-          <a:p>
-            <a:r>
-              <a:rPr lang="en-US" dirty="0"/>
-              <a:t>Regression is conditional probability.</a:t>
-            </a:r>
-          </a:p>
-          <a:p>
-            <a:r>
-              <a:rPr lang="en-US" dirty="0"/>
-              <a:t>Asks a simple question: Given event E has occurred, what is the probability that event F occurs?</a:t>
+              <a:t>Classical view of probability of an event arose from gambling.  </a:t>
+            </a:r>
+          </a:p>
+          <a:p>
+            <a:pPr lvl="1"/>
+            <a:r>
+              <a:rPr lang="en-US" dirty="0"/>
+              <a:t>Coin flip.</a:t>
+            </a:r>
+          </a:p>
+          <a:p>
+            <a:pPr lvl="1"/>
+            <a:r>
+              <a:rPr lang="en-US" dirty="0"/>
+              <a:t>Die roll.</a:t>
+            </a:r>
+          </a:p>
+          <a:p>
+            <a:pPr lvl="1"/>
+            <a:r>
+              <a:rPr lang="en-US" dirty="0"/>
+              <a:t>A card in black jack.</a:t>
+            </a:r>
+          </a:p>
+          <a:p>
+            <a:r>
+              <a:rPr lang="en-US" dirty="0"/>
+              <a:t>Classical view of probability is based on a history of outcomes from some experiment.</a:t>
+            </a:r>
+          </a:p>
+          <a:p>
+            <a:pPr lvl="1"/>
+            <a:r>
+              <a:rPr lang="en-US" dirty="0"/>
+              <a:t>Daily changes in stock prices or the NASDAQ.</a:t>
+            </a:r>
+          </a:p>
+          <a:p>
+            <a:pPr lvl="1"/>
+            <a:r>
+              <a:rPr lang="en-US" dirty="0"/>
+              <a:t>Quarterly changes in NCREIF returns.</a:t>
+            </a:r>
+          </a:p>
+          <a:p>
+            <a:r>
+              <a:rPr lang="en-US" dirty="0"/>
+              <a:t>Classical view is a relative frequent of past outcomes.</a:t>
             </a:r>
           </a:p>
           <a:p>
@@ -5909,44 +6675,7 @@
             </a:r>
             <a:r>
               <a:rPr lang="en-US" dirty="0"/>
-              <a:t>(F | E) = </a:t>
-            </a:r>
-            <a:r>
-              <a:rPr lang="en-US" dirty="0" err="1"/>
-              <a:t>Pr</a:t>
-            </a:r>
-            <a:r>
-              <a:rPr lang="en-US" dirty="0"/>
-              <a:t>(F ∩ E) / </a:t>
-            </a:r>
-            <a:r>
-              <a:rPr lang="en-US" dirty="0" err="1"/>
-              <a:t>Pr</a:t>
-            </a:r>
-            <a:r>
-              <a:rPr lang="en-US" dirty="0"/>
-              <a:t>(E)</a:t>
-            </a:r>
-          </a:p>
-          <a:p>
-            <a:pPr lvl="1"/>
-            <a:r>
-              <a:rPr lang="en-US" dirty="0"/>
-              <a:t>Venn diagram?</a:t>
-            </a:r>
-          </a:p>
-          <a:p>
-            <a:pPr lvl="1"/>
-            <a:r>
-              <a:rPr lang="en-US" dirty="0"/>
-              <a:t>Roll two six-sided dice: Event F is sum of dice is 10.  Event E is the the first die is 5.</a:t>
-            </a:r>
-          </a:p>
-          <a:p>
-            <a:pPr lvl="1"/>
-            <a:r>
-              <a:rPr lang="en-US" dirty="0"/>
-              <a:t>Famous “Let’s Make a Deal” Paradox.</a:t>
+              <a:t>(E) = number of times E has occurred / all possible historical outcomes</a:t>
             </a:r>
           </a:p>
         </p:txBody>
@@ -5954,7 +6683,7 @@
     </p:spTree>
     <p:extLst>
       <p:ext uri="{BB962C8B-B14F-4D97-AF65-F5344CB8AC3E}">
-        <p14:creationId xmlns:p14="http://schemas.microsoft.com/office/powerpoint/2010/main" val="301753024"/>
+        <p14:creationId xmlns:p14="http://schemas.microsoft.com/office/powerpoint/2010/main" val="2439166187"/>
       </p:ext>
     </p:extLst>
   </p:cSld>
